--- a/唯有耶穌(崇拜版).pptx
+++ b/唯有耶穌(崇拜版).pptx
@@ -5,10 +5,14 @@
     <p:sldMasterId id="2147483660" r:id="rId1"/>
   </p:sldMasterIdLst>
   <p:sldIdLst>
-    <p:sldId id="256" r:id="rId2"/>
-    <p:sldId id="257" r:id="rId3"/>
+    <p:sldId id="258" r:id="rId2"/>
+    <p:sldId id="259" r:id="rId3"/>
+    <p:sldId id="260" r:id="rId4"/>
+    <p:sldId id="261" r:id="rId5"/>
+    <p:sldId id="262" r:id="rId6"/>
+    <p:sldId id="263" r:id="rId7"/>
   </p:sldIdLst>
-  <p:sldSz cx="9144000" cy="6858000" type="screen4x3"/>
+  <p:sldSz cx="12192000" cy="6858000"/>
   <p:notesSz cx="6858000" cy="9144000"/>
   <p:defaultTextStyle>
     <a:defPPr>
@@ -105,6 +109,22 @@
       </a:defRPr>
     </a:lvl9pPr>
   </p:defaultTextStyle>
+  <p:extLst>
+    <p:ext uri="{EFAFB233-063F-42B5-8137-9DF3F51BA10A}">
+      <p15:sldGuideLst xmlns:p15="http://schemas.microsoft.com/office/powerpoint/2012/main">
+        <p15:guide id="1" orient="horz" pos="2160" userDrawn="1">
+          <p15:clr>
+            <a:srgbClr val="A4A3A4"/>
+          </p15:clr>
+        </p15:guide>
+        <p15:guide id="2" pos="3840" userDrawn="1">
+          <p15:clr>
+            <a:srgbClr val="A4A3A4"/>
+          </p15:clr>
+        </p15:guide>
+      </p15:sldGuideLst>
+    </p:ext>
+  </p:extLst>
 </p:presentation>
 </file>
 
@@ -137,8 +157,8 @@
         </p:nvSpPr>
         <p:spPr>
           <a:xfrm>
-            <a:off x="685800" y="2130425"/>
-            <a:ext cx="7772400" cy="1470025"/>
+            <a:off x="914400" y="2130426"/>
+            <a:ext cx="10363200" cy="1470025"/>
           </a:xfrm>
         </p:spPr>
         <p:txBody>
@@ -165,8 +185,8 @@
         </p:nvSpPr>
         <p:spPr>
           <a:xfrm>
-            <a:off x="1371600" y="3886200"/>
-            <a:ext cx="6400800" cy="1752600"/>
+            <a:off x="1828800" y="3886200"/>
+            <a:ext cx="8534400" cy="1752600"/>
           </a:xfrm>
         </p:spPr>
         <p:txBody>
@@ -289,7 +309,7 @@
           <a:p>
             <a:fld id="{49CD2A50-85AC-4EAF-B333-6B51C447FC29}" type="datetimeFigureOut">
               <a:rPr lang="zh-TW" altLang="en-US" smtClean="0"/>
-              <a:t>2017/12/16</a:t>
+              <a:t>2021/2/4</a:t>
             </a:fld>
             <a:endParaRPr lang="zh-TW" altLang="en-US"/>
           </a:p>
@@ -454,7 +474,7 @@
           <a:p>
             <a:fld id="{49CD2A50-85AC-4EAF-B333-6B51C447FC29}" type="datetimeFigureOut">
               <a:rPr lang="zh-TW" altLang="en-US" smtClean="0"/>
-              <a:t>2017/12/16</a:t>
+              <a:t>2021/2/4</a:t>
             </a:fld>
             <a:endParaRPr lang="zh-TW" altLang="en-US"/>
           </a:p>
@@ -539,8 +559,8 @@
         </p:nvSpPr>
         <p:spPr>
           <a:xfrm>
-            <a:off x="6629400" y="274638"/>
-            <a:ext cx="2057400" cy="5851525"/>
+            <a:off x="8839200" y="274639"/>
+            <a:ext cx="2743200" cy="5851525"/>
           </a:xfrm>
         </p:spPr>
         <p:txBody>
@@ -567,8 +587,8 @@
         </p:nvSpPr>
         <p:spPr>
           <a:xfrm>
-            <a:off x="457200" y="274638"/>
-            <a:ext cx="6019800" cy="5851525"/>
+            <a:off x="609600" y="274639"/>
+            <a:ext cx="8026400" cy="5851525"/>
           </a:xfrm>
         </p:spPr>
         <p:txBody>
@@ -629,7 +649,7 @@
           <a:p>
             <a:fld id="{49CD2A50-85AC-4EAF-B333-6B51C447FC29}" type="datetimeFigureOut">
               <a:rPr lang="zh-TW" altLang="en-US" smtClean="0"/>
-              <a:t>2017/12/16</a:t>
+              <a:t>2021/2/4</a:t>
             </a:fld>
             <a:endParaRPr lang="zh-TW" altLang="en-US"/>
           </a:p>
@@ -794,7 +814,7 @@
           <a:p>
             <a:fld id="{49CD2A50-85AC-4EAF-B333-6B51C447FC29}" type="datetimeFigureOut">
               <a:rPr lang="zh-TW" altLang="en-US" smtClean="0"/>
-              <a:t>2017/12/16</a:t>
+              <a:t>2021/2/4</a:t>
             </a:fld>
             <a:endParaRPr lang="zh-TW" altLang="en-US"/>
           </a:p>
@@ -879,8 +899,8 @@
         </p:nvSpPr>
         <p:spPr>
           <a:xfrm>
-            <a:off x="722313" y="4406900"/>
-            <a:ext cx="7772400" cy="1362075"/>
+            <a:off x="963084" y="4406901"/>
+            <a:ext cx="10363200" cy="1362075"/>
           </a:xfrm>
         </p:spPr>
         <p:txBody>
@@ -911,8 +931,8 @@
         </p:nvSpPr>
         <p:spPr>
           <a:xfrm>
-            <a:off x="722313" y="2906713"/>
-            <a:ext cx="7772400" cy="1500187"/>
+            <a:off x="963084" y="2906713"/>
+            <a:ext cx="10363200" cy="1500187"/>
           </a:xfrm>
         </p:spPr>
         <p:txBody>
@@ -1035,7 +1055,7 @@
           <a:p>
             <a:fld id="{49CD2A50-85AC-4EAF-B333-6B51C447FC29}" type="datetimeFigureOut">
               <a:rPr lang="zh-TW" altLang="en-US" smtClean="0"/>
-              <a:t>2017/12/16</a:t>
+              <a:t>2021/2/4</a:t>
             </a:fld>
             <a:endParaRPr lang="zh-TW" altLang="en-US"/>
           </a:p>
@@ -1143,8 +1163,8 @@
         </p:nvSpPr>
         <p:spPr>
           <a:xfrm>
-            <a:off x="457200" y="1600200"/>
-            <a:ext cx="4038600" cy="4525963"/>
+            <a:off x="609600" y="1600201"/>
+            <a:ext cx="5384800" cy="4525963"/>
           </a:xfrm>
         </p:spPr>
         <p:txBody>
@@ -1228,8 +1248,8 @@
         </p:nvSpPr>
         <p:spPr>
           <a:xfrm>
-            <a:off x="4648200" y="1600200"/>
-            <a:ext cx="4038600" cy="4525963"/>
+            <a:off x="6197600" y="1600201"/>
+            <a:ext cx="5384800" cy="4525963"/>
           </a:xfrm>
         </p:spPr>
         <p:txBody>
@@ -1318,7 +1338,7 @@
           <a:p>
             <a:fld id="{49CD2A50-85AC-4EAF-B333-6B51C447FC29}" type="datetimeFigureOut">
               <a:rPr lang="zh-TW" altLang="en-US" smtClean="0"/>
-              <a:t>2017/12/16</a:t>
+              <a:t>2021/2/4</a:t>
             </a:fld>
             <a:endParaRPr lang="zh-TW" altLang="en-US"/>
           </a:p>
@@ -1430,8 +1450,8 @@
         </p:nvSpPr>
         <p:spPr>
           <a:xfrm>
-            <a:off x="457200" y="1535113"/>
-            <a:ext cx="4040188" cy="639762"/>
+            <a:off x="609600" y="1535113"/>
+            <a:ext cx="5386917" cy="639762"/>
           </a:xfrm>
         </p:spPr>
         <p:txBody>
@@ -1495,8 +1515,8 @@
         </p:nvSpPr>
         <p:spPr>
           <a:xfrm>
-            <a:off x="457200" y="2174875"/>
-            <a:ext cx="4040188" cy="3951288"/>
+            <a:off x="609600" y="2174875"/>
+            <a:ext cx="5386917" cy="3951288"/>
           </a:xfrm>
         </p:spPr>
         <p:txBody>
@@ -1580,8 +1600,8 @@
         </p:nvSpPr>
         <p:spPr>
           <a:xfrm>
-            <a:off x="4645025" y="1535113"/>
-            <a:ext cx="4041775" cy="639762"/>
+            <a:off x="6193368" y="1535113"/>
+            <a:ext cx="5389033" cy="639762"/>
           </a:xfrm>
         </p:spPr>
         <p:txBody>
@@ -1645,8 +1665,8 @@
         </p:nvSpPr>
         <p:spPr>
           <a:xfrm>
-            <a:off x="4645025" y="2174875"/>
-            <a:ext cx="4041775" cy="3951288"/>
+            <a:off x="6193368" y="2174875"/>
+            <a:ext cx="5389033" cy="3951288"/>
           </a:xfrm>
         </p:spPr>
         <p:txBody>
@@ -1735,7 +1755,7 @@
           <a:p>
             <a:fld id="{49CD2A50-85AC-4EAF-B333-6B51C447FC29}" type="datetimeFigureOut">
               <a:rPr lang="zh-TW" altLang="en-US" smtClean="0"/>
-              <a:t>2017/12/16</a:t>
+              <a:t>2021/2/4</a:t>
             </a:fld>
             <a:endParaRPr lang="zh-TW" altLang="en-US"/>
           </a:p>
@@ -1848,7 +1868,7 @@
           <a:p>
             <a:fld id="{49CD2A50-85AC-4EAF-B333-6B51C447FC29}" type="datetimeFigureOut">
               <a:rPr lang="zh-TW" altLang="en-US" smtClean="0"/>
-              <a:t>2017/12/16</a:t>
+              <a:t>2021/2/4</a:t>
             </a:fld>
             <a:endParaRPr lang="zh-TW" altLang="en-US"/>
           </a:p>
@@ -1938,7 +1958,7 @@
           <a:p>
             <a:fld id="{49CD2A50-85AC-4EAF-B333-6B51C447FC29}" type="datetimeFigureOut">
               <a:rPr lang="zh-TW" altLang="en-US" smtClean="0"/>
-              <a:t>2017/12/16</a:t>
+              <a:t>2021/2/4</a:t>
             </a:fld>
             <a:endParaRPr lang="zh-TW" altLang="en-US"/>
           </a:p>
@@ -2023,8 +2043,8 @@
         </p:nvSpPr>
         <p:spPr>
           <a:xfrm>
-            <a:off x="457200" y="273050"/>
-            <a:ext cx="3008313" cy="1162050"/>
+            <a:off x="609601" y="273050"/>
+            <a:ext cx="4011084" cy="1162050"/>
           </a:xfrm>
         </p:spPr>
         <p:txBody>
@@ -2055,8 +2075,8 @@
         </p:nvSpPr>
         <p:spPr>
           <a:xfrm>
-            <a:off x="3575050" y="273050"/>
-            <a:ext cx="5111750" cy="5853113"/>
+            <a:off x="4766733" y="273051"/>
+            <a:ext cx="6815667" cy="5853113"/>
           </a:xfrm>
         </p:spPr>
         <p:txBody>
@@ -2140,8 +2160,8 @@
         </p:nvSpPr>
         <p:spPr>
           <a:xfrm>
-            <a:off x="457200" y="1435100"/>
-            <a:ext cx="3008313" cy="4691063"/>
+            <a:off x="609601" y="1435101"/>
+            <a:ext cx="4011084" cy="4691063"/>
           </a:xfrm>
         </p:spPr>
         <p:txBody>
@@ -2210,7 +2230,7 @@
           <a:p>
             <a:fld id="{49CD2A50-85AC-4EAF-B333-6B51C447FC29}" type="datetimeFigureOut">
               <a:rPr lang="zh-TW" altLang="en-US" smtClean="0"/>
-              <a:t>2017/12/16</a:t>
+              <a:t>2021/2/4</a:t>
             </a:fld>
             <a:endParaRPr lang="zh-TW" altLang="en-US"/>
           </a:p>
@@ -2295,8 +2315,8 @@
         </p:nvSpPr>
         <p:spPr>
           <a:xfrm>
-            <a:off x="1792288" y="4800600"/>
-            <a:ext cx="5486400" cy="566738"/>
+            <a:off x="2389717" y="4800600"/>
+            <a:ext cx="7315200" cy="566738"/>
           </a:xfrm>
         </p:spPr>
         <p:txBody>
@@ -2327,8 +2347,8 @@
         </p:nvSpPr>
         <p:spPr>
           <a:xfrm>
-            <a:off x="1792288" y="612775"/>
-            <a:ext cx="5486400" cy="4114800"/>
+            <a:off x="2389717" y="612775"/>
+            <a:ext cx="7315200" cy="4114800"/>
           </a:xfrm>
         </p:spPr>
         <p:txBody>
@@ -2392,8 +2412,8 @@
         </p:nvSpPr>
         <p:spPr>
           <a:xfrm>
-            <a:off x="1792288" y="5367338"/>
-            <a:ext cx="5486400" cy="804862"/>
+            <a:off x="2389717" y="5367338"/>
+            <a:ext cx="7315200" cy="804862"/>
           </a:xfrm>
         </p:spPr>
         <p:txBody>
@@ -2462,7 +2482,7 @@
           <a:p>
             <a:fld id="{49CD2A50-85AC-4EAF-B333-6B51C447FC29}" type="datetimeFigureOut">
               <a:rPr lang="zh-TW" altLang="en-US" smtClean="0"/>
-              <a:t>2017/12/16</a:t>
+              <a:t>2021/2/4</a:t>
             </a:fld>
             <a:endParaRPr lang="zh-TW" altLang="en-US"/>
           </a:p>
@@ -2557,8 +2577,8 @@
         </p:nvSpPr>
         <p:spPr>
           <a:xfrm>
-            <a:off x="457200" y="274638"/>
-            <a:ext cx="8229600" cy="1143000"/>
+            <a:off x="609600" y="274638"/>
+            <a:ext cx="10972800" cy="1143000"/>
           </a:xfrm>
           <a:prstGeom prst="rect">
             <a:avLst/>
@@ -2590,8 +2610,8 @@
         </p:nvSpPr>
         <p:spPr>
           <a:xfrm>
-            <a:off x="457200" y="1600200"/>
-            <a:ext cx="8229600" cy="4525963"/>
+            <a:off x="609600" y="1600201"/>
+            <a:ext cx="10972800" cy="4525963"/>
           </a:xfrm>
           <a:prstGeom prst="rect">
             <a:avLst/>
@@ -2652,8 +2672,8 @@
         </p:nvSpPr>
         <p:spPr>
           <a:xfrm>
-            <a:off x="457200" y="6356350"/>
-            <a:ext cx="2133600" cy="365125"/>
+            <a:off x="609600" y="6356351"/>
+            <a:ext cx="2844800" cy="365125"/>
           </a:xfrm>
           <a:prstGeom prst="rect">
             <a:avLst/>
@@ -2675,7 +2695,7 @@
           <a:p>
             <a:fld id="{49CD2A50-85AC-4EAF-B333-6B51C447FC29}" type="datetimeFigureOut">
               <a:rPr lang="zh-TW" altLang="en-US" smtClean="0"/>
-              <a:t>2017/12/16</a:t>
+              <a:t>2021/2/4</a:t>
             </a:fld>
             <a:endParaRPr lang="zh-TW" altLang="en-US"/>
           </a:p>
@@ -2693,8 +2713,8 @@
         </p:nvSpPr>
         <p:spPr>
           <a:xfrm>
-            <a:off x="3124200" y="6356350"/>
-            <a:ext cx="2895600" cy="365125"/>
+            <a:off x="4165600" y="6356351"/>
+            <a:ext cx="3860800" cy="365125"/>
           </a:xfrm>
           <a:prstGeom prst="rect">
             <a:avLst/>
@@ -2730,8 +2750,8 @@
         </p:nvSpPr>
         <p:spPr>
           <a:xfrm>
-            <a:off x="6553200" y="6356350"/>
-            <a:ext cx="2133600" cy="365125"/>
+            <a:off x="8737600" y="6356351"/>
+            <a:ext cx="2844800" cy="365125"/>
           </a:xfrm>
           <a:prstGeom prst="rect">
             <a:avLst/>
@@ -3055,191 +3075,75 @@
             <p:ph type="title"/>
           </p:nvPr>
         </p:nvSpPr>
-        <p:spPr/>
-        <p:txBody>
-          <a:bodyPr/>
-          <a:lstStyle/>
-          <a:p>
-            <a:r>
-              <a:rPr lang="zh-CN" altLang="en-US" b="1" dirty="0" smtClean="0">
+        <p:spPr>
+          <a:xfrm>
+            <a:off x="0" y="2857513"/>
+            <a:ext cx="12192000" cy="1143000"/>
+          </a:xfrm>
+        </p:spPr>
+        <p:txBody>
+          <a:bodyPr>
+            <a:noAutofit/>
+          </a:bodyPr>
+          <a:lstStyle/>
+          <a:p>
+            <a:r>
+              <a:rPr lang="zh-CN" altLang="en-US" sz="7200" b="1" i="1" dirty="0">
                 <a:solidFill>
                   <a:srgbClr val="660033"/>
                 </a:solidFill>
+                <a:effectLst>
+                  <a:outerShdw blurRad="38100" dist="38100" dir="2700000" algn="tl">
+                    <a:srgbClr val="000000">
+                      <a:alpha val="43137"/>
+                    </a:srgbClr>
+                  </a:outerShdw>
+                </a:effectLst>
                 <a:latin typeface="微軟正黑體" pitchFamily="34" charset="-120"/>
                 <a:ea typeface="微軟正黑體" pitchFamily="34" charset="-120"/>
               </a:rPr>
-              <a:t>唯有耶穌</a:t>
-            </a:r>
-            <a:endParaRPr lang="zh-TW" altLang="en-US" b="1" dirty="0">
+              <a:t>唯</a:t>
+            </a:r>
+            <a:r>
+              <a:rPr lang="zh-CN" altLang="en-US" sz="7200" b="1" i="1" dirty="0">
+                <a:solidFill>
+                  <a:srgbClr val="660033"/>
+                </a:solidFill>
+                <a:effectLst>
+                  <a:outerShdw blurRad="38100" dist="38100" dir="2700000" algn="tl">
+                    <a:srgbClr val="000000">
+                      <a:alpha val="43137"/>
+                    </a:srgbClr>
+                  </a:outerShdw>
+                </a:effectLst>
+                <a:latin typeface="微軟正黑體" pitchFamily="34" charset="-120"/>
+                <a:ea typeface="微軟正黑體" pitchFamily="34" charset="-120"/>
+              </a:rPr>
+              <a:t>有耶穌</a:t>
+            </a:r>
+            <a:endParaRPr lang="zh-TW" altLang="en-US" sz="7200" b="1" i="1" dirty="0">
               <a:solidFill>
                 <a:srgbClr val="660033"/>
               </a:solidFill>
+              <a:effectLst>
+                <a:outerShdw blurRad="38100" dist="38100" dir="2700000" algn="tl">
+                  <a:srgbClr val="000000">
+                    <a:alpha val="43137"/>
+                  </a:srgbClr>
+                </a:outerShdw>
+              </a:effectLst>
               <a:latin typeface="微軟正黑體" pitchFamily="34" charset="-120"/>
               <a:ea typeface="微軟正黑體" pitchFamily="34" charset="-120"/>
             </a:endParaRPr>
           </a:p>
         </p:txBody>
       </p:sp>
-      <p:sp>
-        <p:nvSpPr>
-          <p:cNvPr id="5" name="內容版面配置區 4"/>
-          <p:cNvSpPr>
-            <a:spLocks noGrp="1"/>
-          </p:cNvSpPr>
-          <p:nvPr>
-            <p:ph idx="1"/>
-          </p:nvPr>
-        </p:nvSpPr>
-        <p:spPr/>
-        <p:txBody>
-          <a:bodyPr>
-            <a:normAutofit/>
-          </a:bodyPr>
-          <a:lstStyle/>
-          <a:p>
-            <a:pPr algn="ctr">
-              <a:buNone/>
-            </a:pPr>
-            <a:r>
-              <a:rPr lang="zh-TW" altLang="en-US" sz="5400" b="1" dirty="0">
-                <a:solidFill>
-                  <a:srgbClr val="660033"/>
-                </a:solidFill>
-                <a:latin typeface="微軟正黑體" pitchFamily="34" charset="-120"/>
-                <a:ea typeface="微軟正黑體" pitchFamily="34" charset="-120"/>
-              </a:rPr>
-              <a:t>耶穌你能使瞎眼</a:t>
-            </a:r>
-            <a:r>
-              <a:rPr lang="zh-TW" altLang="en-US" sz="5400" b="1" dirty="0" smtClean="0">
-                <a:solidFill>
-                  <a:srgbClr val="660033"/>
-                </a:solidFill>
-                <a:latin typeface="微軟正黑體" pitchFamily="34" charset="-120"/>
-                <a:ea typeface="微軟正黑體" pitchFamily="34" charset="-120"/>
-              </a:rPr>
-              <a:t>看見</a:t>
-            </a:r>
-            <a:endParaRPr lang="en-US" altLang="zh-TW" sz="5400" b="1" dirty="0" smtClean="0">
-              <a:solidFill>
-                <a:srgbClr val="660033"/>
-              </a:solidFill>
-              <a:latin typeface="微軟正黑體" pitchFamily="34" charset="-120"/>
-              <a:ea typeface="微軟正黑體" pitchFamily="34" charset="-120"/>
-            </a:endParaRPr>
-          </a:p>
-          <a:p>
-            <a:pPr algn="ctr">
-              <a:buNone/>
-            </a:pPr>
-            <a:r>
-              <a:rPr lang="zh-TW" altLang="en-US" sz="5400" b="1" dirty="0" smtClean="0">
-                <a:solidFill>
-                  <a:srgbClr val="660033"/>
-                </a:solidFill>
-                <a:latin typeface="微軟正黑體" pitchFamily="34" charset="-120"/>
-                <a:ea typeface="微軟正黑體" pitchFamily="34" charset="-120"/>
-              </a:rPr>
-              <a:t>耶穌</a:t>
-            </a:r>
-            <a:r>
-              <a:rPr lang="zh-TW" altLang="en-US" sz="5400" b="1" dirty="0">
-                <a:solidFill>
-                  <a:srgbClr val="660033"/>
-                </a:solidFill>
-                <a:latin typeface="微軟正黑體" pitchFamily="34" charset="-120"/>
-                <a:ea typeface="微軟正黑體" pitchFamily="34" charset="-120"/>
-              </a:rPr>
-              <a:t>你能醫治</a:t>
-            </a:r>
-            <a:r>
-              <a:rPr lang="zh-TW" altLang="en-US" sz="5400" b="1" dirty="0" smtClean="0">
-                <a:solidFill>
-                  <a:srgbClr val="660033"/>
-                </a:solidFill>
-                <a:latin typeface="微軟正黑體" pitchFamily="34" charset="-120"/>
-                <a:ea typeface="微軟正黑體" pitchFamily="34" charset="-120"/>
-              </a:rPr>
-              <a:t>傷心人</a:t>
-            </a:r>
-            <a:endParaRPr lang="en-US" altLang="zh-TW" sz="5400" b="1" dirty="0" smtClean="0">
-              <a:solidFill>
-                <a:srgbClr val="660033"/>
-              </a:solidFill>
-              <a:latin typeface="微軟正黑體" pitchFamily="34" charset="-120"/>
-              <a:ea typeface="微軟正黑體" pitchFamily="34" charset="-120"/>
-            </a:endParaRPr>
-          </a:p>
-          <a:p>
-            <a:pPr algn="ctr">
-              <a:buNone/>
-            </a:pPr>
-            <a:r>
-              <a:rPr lang="zh-TW" altLang="en-US" sz="5400" b="1" dirty="0" smtClean="0">
-                <a:solidFill>
-                  <a:srgbClr val="660033"/>
-                </a:solidFill>
-                <a:latin typeface="微軟正黑體" pitchFamily="34" charset="-120"/>
-                <a:ea typeface="微軟正黑體" pitchFamily="34" charset="-120"/>
-              </a:rPr>
-              <a:t>耶穌</a:t>
-            </a:r>
-            <a:r>
-              <a:rPr lang="zh-TW" altLang="en-US" sz="5400" b="1" dirty="0">
-                <a:solidFill>
-                  <a:srgbClr val="660033"/>
-                </a:solidFill>
-                <a:latin typeface="微軟正黑體" pitchFamily="34" charset="-120"/>
-                <a:ea typeface="微軟正黑體" pitchFamily="34" charset="-120"/>
-              </a:rPr>
-              <a:t>你有權柄</a:t>
-            </a:r>
-            <a:r>
-              <a:rPr lang="zh-TW" altLang="en-US" sz="5400" b="1" dirty="0" smtClean="0">
-                <a:solidFill>
-                  <a:srgbClr val="660033"/>
-                </a:solidFill>
-                <a:latin typeface="微軟正黑體" pitchFamily="34" charset="-120"/>
-                <a:ea typeface="微軟正黑體" pitchFamily="34" charset="-120"/>
-              </a:rPr>
-              <a:t>釋放</a:t>
-            </a:r>
-            <a:endParaRPr lang="en-US" altLang="zh-TW" sz="5400" b="1" dirty="0" smtClean="0">
-              <a:solidFill>
-                <a:srgbClr val="660033"/>
-              </a:solidFill>
-              <a:latin typeface="微軟正黑體" pitchFamily="34" charset="-120"/>
-              <a:ea typeface="微軟正黑體" pitchFamily="34" charset="-120"/>
-            </a:endParaRPr>
-          </a:p>
-          <a:p>
-            <a:pPr algn="ctr">
-              <a:buNone/>
-            </a:pPr>
-            <a:r>
-              <a:rPr lang="zh-TW" altLang="en-US" sz="5400" b="1" dirty="0" smtClean="0">
-                <a:solidFill>
-                  <a:srgbClr val="660033"/>
-                </a:solidFill>
-                <a:latin typeface="微軟正黑體" pitchFamily="34" charset="-120"/>
-                <a:ea typeface="微軟正黑體" pitchFamily="34" charset="-120"/>
-              </a:rPr>
-              <a:t>叫</a:t>
-            </a:r>
-            <a:r>
-              <a:rPr lang="zh-TW" altLang="en-US" sz="5400" b="1" dirty="0">
-                <a:solidFill>
-                  <a:srgbClr val="660033"/>
-                </a:solidFill>
-                <a:latin typeface="微軟正黑體" pitchFamily="34" charset="-120"/>
-                <a:ea typeface="微軟正黑體" pitchFamily="34" charset="-120"/>
-              </a:rPr>
-              <a:t>不可能變為可能</a:t>
-            </a:r>
-          </a:p>
-        </p:txBody>
-      </p:sp>
     </p:spTree>
+    <p:extLst>
+      <p:ext uri="{BB962C8B-B14F-4D97-AF65-F5344CB8AC3E}">
+        <p14:creationId xmlns:p14="http://schemas.microsoft.com/office/powerpoint/2010/main" val="2765166867"/>
+      </p:ext>
+    </p:extLst>
   </p:cSld>
   <p:clrMapOvr>
     <a:masterClrMapping/>
@@ -3266,30 +3170,60 @@
       </p:grpSpPr>
       <p:sp>
         <p:nvSpPr>
-          <p:cNvPr id="4" name="標題 3"/>
-          <p:cNvSpPr>
-            <a:spLocks noGrp="1"/>
-          </p:cNvSpPr>
-          <p:nvPr>
-            <p:ph type="title"/>
-          </p:nvPr>
-        </p:nvSpPr>
-        <p:spPr/>
-        <p:txBody>
-          <a:bodyPr/>
-          <a:lstStyle/>
-          <a:p>
-            <a:r>
-              <a:rPr lang="zh-CN" altLang="en-US" b="1" dirty="0" smtClean="0">
+          <p:cNvPr id="5" name="內容版面配置區 4"/>
+          <p:cNvSpPr>
+            <a:spLocks noGrp="1"/>
+          </p:cNvSpPr>
+          <p:nvPr>
+            <p:ph idx="1"/>
+          </p:nvPr>
+        </p:nvSpPr>
+        <p:spPr>
+          <a:xfrm>
+            <a:off x="0" y="2084851"/>
+            <a:ext cx="12192000" cy="2404863"/>
+          </a:xfrm>
+        </p:spPr>
+        <p:txBody>
+          <a:bodyPr anchor="ctr">
+            <a:normAutofit/>
+          </a:bodyPr>
+          <a:lstStyle/>
+          <a:p>
+            <a:pPr algn="ctr">
+              <a:buNone/>
+            </a:pPr>
+            <a:r>
+              <a:rPr lang="zh-TW" altLang="en-US" sz="6400" b="1" dirty="0">
                 <a:solidFill>
                   <a:srgbClr val="660033"/>
                 </a:solidFill>
                 <a:latin typeface="微軟正黑體" pitchFamily="34" charset="-120"/>
                 <a:ea typeface="微軟正黑體" pitchFamily="34" charset="-120"/>
               </a:rPr>
-              <a:t>唯有耶穌</a:t>
-            </a:r>
-            <a:endParaRPr lang="zh-TW" altLang="en-US" b="1" dirty="0">
+              <a:t>耶穌</a:t>
+            </a:r>
+            <a:r>
+              <a:rPr lang="zh-CN" altLang="en-US" sz="6400" b="1" dirty="0">
+                <a:solidFill>
+                  <a:srgbClr val="660033"/>
+                </a:solidFill>
+                <a:latin typeface="微軟正黑體" pitchFamily="34" charset="-120"/>
+                <a:ea typeface="微軟正黑體" pitchFamily="34" charset="-120"/>
+              </a:rPr>
+              <a:t>袮</a:t>
+            </a:r>
+            <a:r>
+              <a:rPr lang="zh-TW" altLang="en-US" sz="6400" b="1" dirty="0">
+                <a:solidFill>
+                  <a:srgbClr val="660033"/>
+                </a:solidFill>
+                <a:latin typeface="微軟正黑體" pitchFamily="34" charset="-120"/>
+                <a:ea typeface="微軟正黑體" pitchFamily="34" charset="-120"/>
+              </a:rPr>
+              <a:t>能使瞎眼看見</a:t>
+            </a:r>
+            <a:endParaRPr lang="en-US" altLang="zh-TW" sz="6400" b="1" dirty="0">
               <a:solidFill>
                 <a:srgbClr val="660033"/>
               </a:solidFill>
@@ -3297,8 +3231,80 @@
               <a:ea typeface="微軟正黑體" pitchFamily="34" charset="-120"/>
             </a:endParaRPr>
           </a:p>
-        </p:txBody>
-      </p:sp>
+          <a:p>
+            <a:pPr algn="ctr">
+              <a:buNone/>
+            </a:pPr>
+            <a:r>
+              <a:rPr lang="zh-TW" altLang="en-US" sz="6400" b="1" dirty="0">
+                <a:solidFill>
+                  <a:srgbClr val="660033"/>
+                </a:solidFill>
+                <a:latin typeface="微軟正黑體" pitchFamily="34" charset="-120"/>
+                <a:ea typeface="微軟正黑體" pitchFamily="34" charset="-120"/>
+              </a:rPr>
+              <a:t>耶穌</a:t>
+            </a:r>
+            <a:r>
+              <a:rPr lang="zh-CN" altLang="en-US" sz="6400" b="1" dirty="0">
+                <a:solidFill>
+                  <a:srgbClr val="660033"/>
+                </a:solidFill>
+                <a:latin typeface="微軟正黑體" pitchFamily="34" charset="-120"/>
+                <a:ea typeface="微軟正黑體" pitchFamily="34" charset="-120"/>
+              </a:rPr>
+              <a:t>袮</a:t>
+            </a:r>
+            <a:r>
+              <a:rPr lang="zh-TW" altLang="en-US" sz="6400" b="1" dirty="0">
+                <a:solidFill>
+                  <a:srgbClr val="660033"/>
+                </a:solidFill>
+                <a:latin typeface="微軟正黑體" pitchFamily="34" charset="-120"/>
+                <a:ea typeface="微軟正黑體" pitchFamily="34" charset="-120"/>
+              </a:rPr>
+              <a:t>能醫治傷心人</a:t>
+            </a:r>
+            <a:endParaRPr lang="en-US" altLang="zh-TW" sz="6400" b="1" dirty="0">
+              <a:solidFill>
+                <a:srgbClr val="660033"/>
+              </a:solidFill>
+              <a:latin typeface="微軟正黑體" pitchFamily="34" charset="-120"/>
+              <a:ea typeface="微軟正黑體" pitchFamily="34" charset="-120"/>
+            </a:endParaRPr>
+          </a:p>
+        </p:txBody>
+      </p:sp>
+    </p:spTree>
+    <p:extLst>
+      <p:ext uri="{BB962C8B-B14F-4D97-AF65-F5344CB8AC3E}">
+        <p14:creationId xmlns:p14="http://schemas.microsoft.com/office/powerpoint/2010/main" val="1873981163"/>
+      </p:ext>
+    </p:extLst>
+  </p:cSld>
+  <p:clrMapOvr>
+    <a:masterClrMapping/>
+  </p:clrMapOvr>
+</p:sld>
+</file>
+
+<file path=ppt/slides/slide3.xml><?xml version="1.0" encoding="utf-8"?>
+<p:sld xmlns:a="http://schemas.openxmlformats.org/drawingml/2006/main" xmlns:r="http://schemas.openxmlformats.org/officeDocument/2006/relationships" xmlns:p="http://schemas.openxmlformats.org/presentationml/2006/main">
+  <p:cSld>
+    <p:spTree>
+      <p:nvGrpSpPr>
+        <p:cNvPr id="1" name=""/>
+        <p:cNvGrpSpPr/>
+        <p:nvPr/>
+      </p:nvGrpSpPr>
+      <p:grpSpPr>
+        <a:xfrm>
+          <a:off x="0" y="0"/>
+          <a:ext cx="0" cy="0"/>
+          <a:chOff x="0" y="0"/>
+          <a:chExt cx="0" cy="0"/>
+        </a:xfrm>
+      </p:grpSpPr>
       <p:sp>
         <p:nvSpPr>
           <p:cNvPr id="5" name="內容版面配置區 4"/>
@@ -3311,12 +3317,12 @@
         </p:nvSpPr>
         <p:spPr>
           <a:xfrm>
-            <a:off x="457200" y="1600200"/>
-            <a:ext cx="8229600" cy="5257800"/>
+            <a:off x="0" y="2084851"/>
+            <a:ext cx="12192000" cy="2404863"/>
           </a:xfrm>
         </p:spPr>
         <p:txBody>
-          <a:bodyPr>
+          <a:bodyPr anchor="ctr">
             <a:normAutofit/>
           </a:bodyPr>
           <a:lstStyle/>
@@ -3325,7 +3331,124 @@
               <a:buNone/>
             </a:pPr>
             <a:r>
-              <a:rPr lang="zh-TW" altLang="en-US" sz="5400" b="1" dirty="0" smtClean="0">
+              <a:rPr lang="zh-TW" altLang="en-US" sz="6400" b="1" dirty="0">
+                <a:solidFill>
+                  <a:srgbClr val="660033"/>
+                </a:solidFill>
+                <a:latin typeface="微軟正黑體" pitchFamily="34" charset="-120"/>
+                <a:ea typeface="微軟正黑體" pitchFamily="34" charset="-120"/>
+              </a:rPr>
+              <a:t>耶穌</a:t>
+            </a:r>
+            <a:r>
+              <a:rPr lang="zh-CN" altLang="en-US" sz="6400" b="1" dirty="0">
+                <a:solidFill>
+                  <a:srgbClr val="660033"/>
+                </a:solidFill>
+                <a:latin typeface="微軟正黑體" pitchFamily="34" charset="-120"/>
+                <a:ea typeface="微軟正黑體" pitchFamily="34" charset="-120"/>
+              </a:rPr>
+              <a:t>袮</a:t>
+            </a:r>
+            <a:r>
+              <a:rPr lang="zh-TW" altLang="en-US" sz="6400" b="1" dirty="0">
+                <a:solidFill>
+                  <a:srgbClr val="660033"/>
+                </a:solidFill>
+                <a:latin typeface="微軟正黑體" pitchFamily="34" charset="-120"/>
+                <a:ea typeface="微軟正黑體" pitchFamily="34" charset="-120"/>
+              </a:rPr>
+              <a:t>有權柄釋放</a:t>
+            </a:r>
+            <a:endParaRPr lang="en-US" altLang="zh-TW" sz="6400" b="1" dirty="0">
+              <a:solidFill>
+                <a:srgbClr val="660033"/>
+              </a:solidFill>
+              <a:latin typeface="微軟正黑體" pitchFamily="34" charset="-120"/>
+              <a:ea typeface="微軟正黑體" pitchFamily="34" charset="-120"/>
+            </a:endParaRPr>
+          </a:p>
+          <a:p>
+            <a:pPr algn="ctr">
+              <a:buNone/>
+            </a:pPr>
+            <a:r>
+              <a:rPr lang="zh-TW" altLang="en-US" sz="6400" b="1" dirty="0">
+                <a:solidFill>
+                  <a:srgbClr val="660033"/>
+                </a:solidFill>
+                <a:latin typeface="微軟正黑體" pitchFamily="34" charset="-120"/>
+                <a:ea typeface="微軟正黑體" pitchFamily="34" charset="-120"/>
+              </a:rPr>
+              <a:t>叫不可能變為可能</a:t>
+            </a:r>
+            <a:endParaRPr lang="zh-TW" altLang="en-US" sz="6400" b="1" dirty="0">
+              <a:solidFill>
+                <a:srgbClr val="660033"/>
+              </a:solidFill>
+              <a:latin typeface="微軟正黑體" pitchFamily="34" charset="-120"/>
+              <a:ea typeface="微軟正黑體" pitchFamily="34" charset="-120"/>
+            </a:endParaRPr>
+          </a:p>
+        </p:txBody>
+      </p:sp>
+    </p:spTree>
+    <p:extLst>
+      <p:ext uri="{BB962C8B-B14F-4D97-AF65-F5344CB8AC3E}">
+        <p14:creationId xmlns:p14="http://schemas.microsoft.com/office/powerpoint/2010/main" val="1283900834"/>
+      </p:ext>
+    </p:extLst>
+  </p:cSld>
+  <p:clrMapOvr>
+    <a:masterClrMapping/>
+  </p:clrMapOvr>
+</p:sld>
+</file>
+
+<file path=ppt/slides/slide4.xml><?xml version="1.0" encoding="utf-8"?>
+<p:sld xmlns:a="http://schemas.openxmlformats.org/drawingml/2006/main" xmlns:r="http://schemas.openxmlformats.org/officeDocument/2006/relationships" xmlns:p="http://schemas.openxmlformats.org/presentationml/2006/main">
+  <p:cSld>
+    <p:spTree>
+      <p:nvGrpSpPr>
+        <p:cNvPr id="1" name=""/>
+        <p:cNvGrpSpPr/>
+        <p:nvPr/>
+      </p:nvGrpSpPr>
+      <p:grpSpPr>
+        <a:xfrm>
+          <a:off x="0" y="0"/>
+          <a:ext cx="0" cy="0"/>
+          <a:chOff x="0" y="0"/>
+          <a:chExt cx="0" cy="0"/>
+        </a:xfrm>
+      </p:grpSpPr>
+      <p:sp>
+        <p:nvSpPr>
+          <p:cNvPr id="5" name="內容版面配置區 4"/>
+          <p:cNvSpPr>
+            <a:spLocks noGrp="1"/>
+          </p:cNvSpPr>
+          <p:nvPr>
+            <p:ph idx="1"/>
+          </p:nvPr>
+        </p:nvSpPr>
+        <p:spPr>
+          <a:xfrm>
+            <a:off x="0" y="2084851"/>
+            <a:ext cx="12192000" cy="2404863"/>
+          </a:xfrm>
+        </p:spPr>
+        <p:txBody>
+          <a:bodyPr anchor="ctr">
+            <a:normAutofit/>
+          </a:bodyPr>
+          <a:lstStyle/>
+          <a:p>
+            <a:pPr algn="ctr">
+              <a:buNone/>
+            </a:pPr>
+            <a:r>
+              <a:rPr lang="zh-TW" altLang="en-US" sz="6400" b="1" dirty="0">
                 <a:solidFill>
                   <a:srgbClr val="660033"/>
                 </a:solidFill>
@@ -3334,7 +3457,7 @@
               </a:rPr>
               <a:t>唯有耶穌掌管天地萬有</a:t>
             </a:r>
-            <a:endParaRPr lang="en-US" altLang="zh-TW" sz="5400" b="1" dirty="0" smtClean="0">
+            <a:endParaRPr lang="en-US" altLang="zh-TW" sz="6400" b="1" dirty="0">
               <a:solidFill>
                 <a:srgbClr val="660033"/>
               </a:solidFill>
@@ -3347,7 +3470,7 @@
               <a:buNone/>
             </a:pPr>
             <a:r>
-              <a:rPr lang="zh-TW" altLang="en-US" sz="5400" b="1" dirty="0" smtClean="0">
+              <a:rPr lang="zh-TW" altLang="en-US" sz="6400" b="1" dirty="0">
                 <a:solidFill>
                   <a:srgbClr val="660033"/>
                 </a:solidFill>
@@ -3356,7 +3479,7 @@
               </a:rPr>
               <a:t>唯有耶穌能使水變成酒</a:t>
             </a:r>
-            <a:endParaRPr lang="en-US" altLang="zh-TW" sz="5400" b="1" dirty="0" smtClean="0">
+            <a:endParaRPr lang="en-US" altLang="zh-TW" sz="6400" b="1" dirty="0">
               <a:solidFill>
                 <a:srgbClr val="660033"/>
               </a:solidFill>
@@ -3364,12 +3487,65 @@
               <a:ea typeface="微軟正黑體" pitchFamily="34" charset="-120"/>
             </a:endParaRPr>
           </a:p>
+        </p:txBody>
+      </p:sp>
+    </p:spTree>
+    <p:extLst>
+      <p:ext uri="{BB962C8B-B14F-4D97-AF65-F5344CB8AC3E}">
+        <p14:creationId xmlns:p14="http://schemas.microsoft.com/office/powerpoint/2010/main" val="2081422581"/>
+      </p:ext>
+    </p:extLst>
+  </p:cSld>
+  <p:clrMapOvr>
+    <a:masterClrMapping/>
+  </p:clrMapOvr>
+</p:sld>
+</file>
+
+<file path=ppt/slides/slide5.xml><?xml version="1.0" encoding="utf-8"?>
+<p:sld xmlns:a="http://schemas.openxmlformats.org/drawingml/2006/main" xmlns:r="http://schemas.openxmlformats.org/officeDocument/2006/relationships" xmlns:p="http://schemas.openxmlformats.org/presentationml/2006/main">
+  <p:cSld>
+    <p:spTree>
+      <p:nvGrpSpPr>
+        <p:cNvPr id="1" name=""/>
+        <p:cNvGrpSpPr/>
+        <p:nvPr/>
+      </p:nvGrpSpPr>
+      <p:grpSpPr>
+        <a:xfrm>
+          <a:off x="0" y="0"/>
+          <a:ext cx="0" cy="0"/>
+          <a:chOff x="0" y="0"/>
+          <a:chExt cx="0" cy="0"/>
+        </a:xfrm>
+      </p:grpSpPr>
+      <p:sp>
+        <p:nvSpPr>
+          <p:cNvPr id="5" name="內容版面配置區 4"/>
+          <p:cNvSpPr>
+            <a:spLocks noGrp="1"/>
+          </p:cNvSpPr>
+          <p:nvPr>
+            <p:ph idx="1"/>
+          </p:nvPr>
+        </p:nvSpPr>
+        <p:spPr>
+          <a:xfrm>
+            <a:off x="0" y="2084851"/>
+            <a:ext cx="12192000" cy="2404863"/>
+          </a:xfrm>
+        </p:spPr>
+        <p:txBody>
+          <a:bodyPr anchor="ctr">
+            <a:normAutofit/>
+          </a:bodyPr>
+          <a:lstStyle/>
           <a:p>
             <a:pPr algn="ctr">
               <a:buNone/>
             </a:pPr>
             <a:r>
-              <a:rPr lang="zh-TW" altLang="en-US" sz="5400" b="1" dirty="0" smtClean="0">
+              <a:rPr lang="zh-TW" altLang="en-US" sz="6400" b="1" dirty="0">
                 <a:solidFill>
                   <a:srgbClr val="660033"/>
                 </a:solidFill>
@@ -3378,7 +3554,7 @@
               </a:rPr>
               <a:t>叫狂風巨浪平息</a:t>
             </a:r>
-            <a:endParaRPr lang="en-US" altLang="zh-TW" sz="5400" b="1" dirty="0" smtClean="0">
+            <a:endParaRPr lang="en-US" altLang="zh-TW" sz="6400" b="1" dirty="0">
               <a:solidFill>
                 <a:srgbClr val="660033"/>
               </a:solidFill>
@@ -3391,7 +3567,7 @@
               <a:buNone/>
             </a:pPr>
             <a:r>
-              <a:rPr lang="zh-TW" altLang="en-US" sz="5400" b="1" dirty="0" smtClean="0">
+              <a:rPr lang="zh-TW" altLang="en-US" sz="6400" b="1" dirty="0">
                 <a:solidFill>
                   <a:srgbClr val="660033"/>
                 </a:solidFill>
@@ -3400,7 +3576,7 @@
               </a:rPr>
               <a:t>大能赦罪行神蹟</a:t>
             </a:r>
-            <a:endParaRPr lang="en-US" altLang="zh-TW" sz="5400" b="1" dirty="0" smtClean="0">
+            <a:endParaRPr lang="en-US" altLang="zh-TW" sz="6400" b="1" dirty="0">
               <a:solidFill>
                 <a:srgbClr val="660033"/>
               </a:solidFill>
@@ -3408,21 +3584,94 @@
               <a:ea typeface="微軟正黑體" pitchFamily="34" charset="-120"/>
             </a:endParaRPr>
           </a:p>
+        </p:txBody>
+      </p:sp>
+    </p:spTree>
+    <p:extLst>
+      <p:ext uri="{BB962C8B-B14F-4D97-AF65-F5344CB8AC3E}">
+        <p14:creationId xmlns:p14="http://schemas.microsoft.com/office/powerpoint/2010/main" val="4152005013"/>
+      </p:ext>
+    </p:extLst>
+  </p:cSld>
+  <p:clrMapOvr>
+    <a:masterClrMapping/>
+  </p:clrMapOvr>
+</p:sld>
+</file>
+
+<file path=ppt/slides/slide6.xml><?xml version="1.0" encoding="utf-8"?>
+<p:sld xmlns:a="http://schemas.openxmlformats.org/drawingml/2006/main" xmlns:r="http://schemas.openxmlformats.org/officeDocument/2006/relationships" xmlns:p="http://schemas.openxmlformats.org/presentationml/2006/main">
+  <p:cSld>
+    <p:spTree>
+      <p:nvGrpSpPr>
+        <p:cNvPr id="1" name=""/>
+        <p:cNvGrpSpPr/>
+        <p:nvPr/>
+      </p:nvGrpSpPr>
+      <p:grpSpPr>
+        <a:xfrm>
+          <a:off x="0" y="0"/>
+          <a:ext cx="0" cy="0"/>
+          <a:chOff x="0" y="0"/>
+          <a:chExt cx="0" cy="0"/>
+        </a:xfrm>
+      </p:grpSpPr>
+      <p:sp>
+        <p:nvSpPr>
+          <p:cNvPr id="5" name="內容版面配置區 4"/>
+          <p:cNvSpPr>
+            <a:spLocks noGrp="1"/>
+          </p:cNvSpPr>
+          <p:nvPr>
+            <p:ph idx="1"/>
+          </p:nvPr>
+        </p:nvSpPr>
+        <p:spPr>
+          <a:xfrm>
+            <a:off x="0" y="2084851"/>
+            <a:ext cx="12192000" cy="2404863"/>
+          </a:xfrm>
+        </p:spPr>
+        <p:txBody>
+          <a:bodyPr anchor="ctr">
+            <a:normAutofit/>
+          </a:bodyPr>
+          <a:lstStyle/>
           <a:p>
             <a:pPr algn="ctr">
               <a:buNone/>
             </a:pPr>
             <a:r>
-              <a:rPr lang="zh-TW" altLang="en-US" sz="5400" b="1" dirty="0" smtClean="0">
+              <a:rPr lang="zh-TW" altLang="en-US" sz="6400" b="1" dirty="0">
                 <a:solidFill>
                   <a:srgbClr val="660033"/>
                 </a:solidFill>
                 <a:latin typeface="微軟正黑體" pitchFamily="34" charset="-120"/>
                 <a:ea typeface="微軟正黑體" pitchFamily="34" charset="-120"/>
               </a:rPr>
-              <a:t>耶穌無人與你相比</a:t>
-            </a:r>
-            <a:endParaRPr lang="zh-TW" altLang="en-US" sz="5400" b="1" dirty="0">
+              <a:t>耶穌無人與</a:t>
+            </a:r>
+            <a:r>
+              <a:rPr lang="zh-CN" altLang="en-US" sz="6400" b="1" dirty="0">
+                <a:solidFill>
+                  <a:srgbClr val="660033"/>
+                </a:solidFill>
+                <a:latin typeface="微軟正黑體" pitchFamily="34" charset="-120"/>
+                <a:ea typeface="微軟正黑體" pitchFamily="34" charset="-120"/>
+              </a:rPr>
+              <a:t>袮</a:t>
+            </a:r>
+            <a:r>
+              <a:rPr lang="zh-TW" altLang="en-US" sz="6400" b="1" dirty="0">
+                <a:solidFill>
+                  <a:srgbClr val="660033"/>
+                </a:solidFill>
+                <a:latin typeface="微軟正黑體" pitchFamily="34" charset="-120"/>
+                <a:ea typeface="微軟正黑體" pitchFamily="34" charset="-120"/>
+              </a:rPr>
+              <a:t>相比</a:t>
+            </a:r>
+            <a:endParaRPr lang="zh-TW" altLang="en-US" sz="6400" b="1" dirty="0">
               <a:solidFill>
                 <a:srgbClr val="660033"/>
               </a:solidFill>
@@ -3433,6 +3682,11 @@
         </p:txBody>
       </p:sp>
     </p:spTree>
+    <p:extLst>
+      <p:ext uri="{BB962C8B-B14F-4D97-AF65-F5344CB8AC3E}">
+        <p14:creationId xmlns:p14="http://schemas.microsoft.com/office/powerpoint/2010/main" val="714244842"/>
+      </p:ext>
+    </p:extLst>
   </p:cSld>
   <p:clrMapOvr>
     <a:masterClrMapping/>

--- a/唯有耶穌(崇拜版).pptx
+++ b/唯有耶穌(崇拜版).pptx
@@ -5,12 +5,12 @@
     <p:sldMasterId id="2147483660" r:id="rId1"/>
   </p:sldMasterIdLst>
   <p:sldIdLst>
-    <p:sldId id="258" r:id="rId2"/>
-    <p:sldId id="259" r:id="rId3"/>
-    <p:sldId id="260" r:id="rId4"/>
-    <p:sldId id="261" r:id="rId5"/>
-    <p:sldId id="262" r:id="rId6"/>
-    <p:sldId id="263" r:id="rId7"/>
+    <p:sldId id="264" r:id="rId2"/>
+    <p:sldId id="265" r:id="rId3"/>
+    <p:sldId id="266" r:id="rId4"/>
+    <p:sldId id="267" r:id="rId5"/>
+    <p:sldId id="268" r:id="rId6"/>
+    <p:sldId id="269" r:id="rId7"/>
   </p:sldIdLst>
   <p:sldSz cx="12192000" cy="6858000"/>
   <p:notesSz cx="6858000" cy="9144000"/>
@@ -111,7 +111,7 @@
   </p:defaultTextStyle>
   <p:extLst>
     <p:ext uri="{EFAFB233-063F-42B5-8137-9DF3F51BA10A}">
-      <p15:sldGuideLst xmlns:p15="http://schemas.microsoft.com/office/powerpoint/2012/main">
+      <p15:sldGuideLst xmlns:p15="http://schemas.microsoft.com/office/powerpoint/2012/main" xmlns="">
         <p15:guide id="1" orient="horz" pos="2160" userDrawn="1">
           <p15:clr>
             <a:srgbClr val="A4A3A4"/>
@@ -309,7 +309,8 @@
           <a:p>
             <a:fld id="{49CD2A50-85AC-4EAF-B333-6B51C447FC29}" type="datetimeFigureOut">
               <a:rPr lang="zh-TW" altLang="en-US" smtClean="0"/>
-              <a:t>2021/2/4</a:t>
+              <a:pPr/>
+              <a:t>2023/4/13</a:t>
             </a:fld>
             <a:endParaRPr lang="zh-TW" altLang="en-US"/>
           </a:p>
@@ -351,6 +352,7 @@
           <a:p>
             <a:fld id="{7BCAFB07-2129-4B9A-A51F-FA13D8277F21}" type="slidenum">
               <a:rPr lang="zh-TW" altLang="en-US" smtClean="0"/>
+              <a:pPr/>
               <a:t>‹#›</a:t>
             </a:fld>
             <a:endParaRPr lang="zh-TW" altLang="en-US"/>
@@ -474,7 +476,8 @@
           <a:p>
             <a:fld id="{49CD2A50-85AC-4EAF-B333-6B51C447FC29}" type="datetimeFigureOut">
               <a:rPr lang="zh-TW" altLang="en-US" smtClean="0"/>
-              <a:t>2021/2/4</a:t>
+              <a:pPr/>
+              <a:t>2023/4/13</a:t>
             </a:fld>
             <a:endParaRPr lang="zh-TW" altLang="en-US"/>
           </a:p>
@@ -516,6 +519,7 @@
           <a:p>
             <a:fld id="{7BCAFB07-2129-4B9A-A51F-FA13D8277F21}" type="slidenum">
               <a:rPr lang="zh-TW" altLang="en-US" smtClean="0"/>
+              <a:pPr/>
               <a:t>‹#›</a:t>
             </a:fld>
             <a:endParaRPr lang="zh-TW" altLang="en-US"/>
@@ -649,7 +653,8 @@
           <a:p>
             <a:fld id="{49CD2A50-85AC-4EAF-B333-6B51C447FC29}" type="datetimeFigureOut">
               <a:rPr lang="zh-TW" altLang="en-US" smtClean="0"/>
-              <a:t>2021/2/4</a:t>
+              <a:pPr/>
+              <a:t>2023/4/13</a:t>
             </a:fld>
             <a:endParaRPr lang="zh-TW" altLang="en-US"/>
           </a:p>
@@ -691,6 +696,7 @@
           <a:p>
             <a:fld id="{7BCAFB07-2129-4B9A-A51F-FA13D8277F21}" type="slidenum">
               <a:rPr lang="zh-TW" altLang="en-US" smtClean="0"/>
+              <a:pPr/>
               <a:t>‹#›</a:t>
             </a:fld>
             <a:endParaRPr lang="zh-TW" altLang="en-US"/>
@@ -814,7 +820,8 @@
           <a:p>
             <a:fld id="{49CD2A50-85AC-4EAF-B333-6B51C447FC29}" type="datetimeFigureOut">
               <a:rPr lang="zh-TW" altLang="en-US" smtClean="0"/>
-              <a:t>2021/2/4</a:t>
+              <a:pPr/>
+              <a:t>2023/4/13</a:t>
             </a:fld>
             <a:endParaRPr lang="zh-TW" altLang="en-US"/>
           </a:p>
@@ -856,6 +863,7 @@
           <a:p>
             <a:fld id="{7BCAFB07-2129-4B9A-A51F-FA13D8277F21}" type="slidenum">
               <a:rPr lang="zh-TW" altLang="en-US" smtClean="0"/>
+              <a:pPr/>
               <a:t>‹#›</a:t>
             </a:fld>
             <a:endParaRPr lang="zh-TW" altLang="en-US"/>
@@ -1055,7 +1063,8 @@
           <a:p>
             <a:fld id="{49CD2A50-85AC-4EAF-B333-6B51C447FC29}" type="datetimeFigureOut">
               <a:rPr lang="zh-TW" altLang="en-US" smtClean="0"/>
-              <a:t>2021/2/4</a:t>
+              <a:pPr/>
+              <a:t>2023/4/13</a:t>
             </a:fld>
             <a:endParaRPr lang="zh-TW" altLang="en-US"/>
           </a:p>
@@ -1097,6 +1106,7 @@
           <a:p>
             <a:fld id="{7BCAFB07-2129-4B9A-A51F-FA13D8277F21}" type="slidenum">
               <a:rPr lang="zh-TW" altLang="en-US" smtClean="0"/>
+              <a:pPr/>
               <a:t>‹#›</a:t>
             </a:fld>
             <a:endParaRPr lang="zh-TW" altLang="en-US"/>
@@ -1338,7 +1348,8 @@
           <a:p>
             <a:fld id="{49CD2A50-85AC-4EAF-B333-6B51C447FC29}" type="datetimeFigureOut">
               <a:rPr lang="zh-TW" altLang="en-US" smtClean="0"/>
-              <a:t>2021/2/4</a:t>
+              <a:pPr/>
+              <a:t>2023/4/13</a:t>
             </a:fld>
             <a:endParaRPr lang="zh-TW" altLang="en-US"/>
           </a:p>
@@ -1380,6 +1391,7 @@
           <a:p>
             <a:fld id="{7BCAFB07-2129-4B9A-A51F-FA13D8277F21}" type="slidenum">
               <a:rPr lang="zh-TW" altLang="en-US" smtClean="0"/>
+              <a:pPr/>
               <a:t>‹#›</a:t>
             </a:fld>
             <a:endParaRPr lang="zh-TW" altLang="en-US"/>
@@ -1755,7 +1767,8 @@
           <a:p>
             <a:fld id="{49CD2A50-85AC-4EAF-B333-6B51C447FC29}" type="datetimeFigureOut">
               <a:rPr lang="zh-TW" altLang="en-US" smtClean="0"/>
-              <a:t>2021/2/4</a:t>
+              <a:pPr/>
+              <a:t>2023/4/13</a:t>
             </a:fld>
             <a:endParaRPr lang="zh-TW" altLang="en-US"/>
           </a:p>
@@ -1797,6 +1810,7 @@
           <a:p>
             <a:fld id="{7BCAFB07-2129-4B9A-A51F-FA13D8277F21}" type="slidenum">
               <a:rPr lang="zh-TW" altLang="en-US" smtClean="0"/>
+              <a:pPr/>
               <a:t>‹#›</a:t>
             </a:fld>
             <a:endParaRPr lang="zh-TW" altLang="en-US"/>
@@ -1868,7 +1882,8 @@
           <a:p>
             <a:fld id="{49CD2A50-85AC-4EAF-B333-6B51C447FC29}" type="datetimeFigureOut">
               <a:rPr lang="zh-TW" altLang="en-US" smtClean="0"/>
-              <a:t>2021/2/4</a:t>
+              <a:pPr/>
+              <a:t>2023/4/13</a:t>
             </a:fld>
             <a:endParaRPr lang="zh-TW" altLang="en-US"/>
           </a:p>
@@ -1910,6 +1925,7 @@
           <a:p>
             <a:fld id="{7BCAFB07-2129-4B9A-A51F-FA13D8277F21}" type="slidenum">
               <a:rPr lang="zh-TW" altLang="en-US" smtClean="0"/>
+              <a:pPr/>
               <a:t>‹#›</a:t>
             </a:fld>
             <a:endParaRPr lang="zh-TW" altLang="en-US"/>
@@ -1958,7 +1974,8 @@
           <a:p>
             <a:fld id="{49CD2A50-85AC-4EAF-B333-6B51C447FC29}" type="datetimeFigureOut">
               <a:rPr lang="zh-TW" altLang="en-US" smtClean="0"/>
-              <a:t>2021/2/4</a:t>
+              <a:pPr/>
+              <a:t>2023/4/13</a:t>
             </a:fld>
             <a:endParaRPr lang="zh-TW" altLang="en-US"/>
           </a:p>
@@ -2000,6 +2017,7 @@
           <a:p>
             <a:fld id="{7BCAFB07-2129-4B9A-A51F-FA13D8277F21}" type="slidenum">
               <a:rPr lang="zh-TW" altLang="en-US" smtClean="0"/>
+              <a:pPr/>
               <a:t>‹#›</a:t>
             </a:fld>
             <a:endParaRPr lang="zh-TW" altLang="en-US"/>
@@ -2230,7 +2248,8 @@
           <a:p>
             <a:fld id="{49CD2A50-85AC-4EAF-B333-6B51C447FC29}" type="datetimeFigureOut">
               <a:rPr lang="zh-TW" altLang="en-US" smtClean="0"/>
-              <a:t>2021/2/4</a:t>
+              <a:pPr/>
+              <a:t>2023/4/13</a:t>
             </a:fld>
             <a:endParaRPr lang="zh-TW" altLang="en-US"/>
           </a:p>
@@ -2272,6 +2291,7 @@
           <a:p>
             <a:fld id="{7BCAFB07-2129-4B9A-A51F-FA13D8277F21}" type="slidenum">
               <a:rPr lang="zh-TW" altLang="en-US" smtClean="0"/>
+              <a:pPr/>
               <a:t>‹#›</a:t>
             </a:fld>
             <a:endParaRPr lang="zh-TW" altLang="en-US"/>
@@ -2482,7 +2502,8 @@
           <a:p>
             <a:fld id="{49CD2A50-85AC-4EAF-B333-6B51C447FC29}" type="datetimeFigureOut">
               <a:rPr lang="zh-TW" altLang="en-US" smtClean="0"/>
-              <a:t>2021/2/4</a:t>
+              <a:pPr/>
+              <a:t>2023/4/13</a:t>
             </a:fld>
             <a:endParaRPr lang="zh-TW" altLang="en-US"/>
           </a:p>
@@ -2524,6 +2545,7 @@
           <a:p>
             <a:fld id="{7BCAFB07-2129-4B9A-A51F-FA13D8277F21}" type="slidenum">
               <a:rPr lang="zh-TW" altLang="en-US" smtClean="0"/>
+              <a:pPr/>
               <a:t>‹#›</a:t>
             </a:fld>
             <a:endParaRPr lang="zh-TW" altLang="en-US"/>
@@ -2695,7 +2717,8 @@
           <a:p>
             <a:fld id="{49CD2A50-85AC-4EAF-B333-6B51C447FC29}" type="datetimeFigureOut">
               <a:rPr lang="zh-TW" altLang="en-US" smtClean="0"/>
-              <a:t>2021/2/4</a:t>
+              <a:pPr/>
+              <a:t>2023/4/13</a:t>
             </a:fld>
             <a:endParaRPr lang="zh-TW" altLang="en-US"/>
           </a:p>
@@ -2773,6 +2796,7 @@
           <a:p>
             <a:fld id="{7BCAFB07-2129-4B9A-A51F-FA13D8277F21}" type="slidenum">
               <a:rPr lang="zh-TW" altLang="en-US" smtClean="0"/>
+              <a:pPr/>
               <a:t>‹#›</a:t>
             </a:fld>
             <a:endParaRPr lang="zh-TW" altLang="en-US"/>
@@ -3102,24 +3126,7 @@
                 <a:latin typeface="微軟正黑體" pitchFamily="34" charset="-120"/>
                 <a:ea typeface="微軟正黑體" pitchFamily="34" charset="-120"/>
               </a:rPr>
-              <a:t>唯</a:t>
-            </a:r>
-            <a:r>
-              <a:rPr lang="zh-CN" altLang="en-US" sz="7200" b="1" i="1" dirty="0">
-                <a:solidFill>
-                  <a:srgbClr val="660033"/>
-                </a:solidFill>
-                <a:effectLst>
-                  <a:outerShdw blurRad="38100" dist="38100" dir="2700000" algn="tl">
-                    <a:srgbClr val="000000">
-                      <a:alpha val="43137"/>
-                    </a:srgbClr>
-                  </a:outerShdw>
-                </a:effectLst>
-                <a:latin typeface="微軟正黑體" pitchFamily="34" charset="-120"/>
-                <a:ea typeface="微軟正黑體" pitchFamily="34" charset="-120"/>
-              </a:rPr>
-              <a:t>有耶穌</a:t>
+              <a:t>唯有耶穌</a:t>
             </a:r>
             <a:endParaRPr lang="zh-TW" altLang="en-US" sz="7200" b="1" i="1" dirty="0">
               <a:solidFill>
@@ -3141,7 +3148,7 @@
     </p:spTree>
     <p:extLst>
       <p:ext uri="{BB962C8B-B14F-4D97-AF65-F5344CB8AC3E}">
-        <p14:creationId xmlns:p14="http://schemas.microsoft.com/office/powerpoint/2010/main" val="2765166867"/>
+        <p14:creationId xmlns:p14="http://schemas.microsoft.com/office/powerpoint/2010/main" xmlns="" val="2765166867"/>
       </p:ext>
     </p:extLst>
   </p:cSld>
@@ -3180,7 +3187,7 @@
         </p:nvSpPr>
         <p:spPr>
           <a:xfrm>
-            <a:off x="0" y="2084851"/>
+            <a:off x="0" y="2084853"/>
             <a:ext cx="12192000" cy="2404863"/>
           </a:xfrm>
         </p:spPr>
@@ -3194,7 +3201,7 @@
               <a:buNone/>
             </a:pPr>
             <a:r>
-              <a:rPr lang="zh-TW" altLang="en-US" sz="6400" b="1" dirty="0">
+              <a:rPr lang="zh-TW" altLang="en-US" sz="6400" b="1" dirty="0" smtClean="0">
                 <a:solidFill>
                   <a:srgbClr val="660033"/>
                 </a:solidFill>
@@ -3204,24 +3211,34 @@
               <a:t>耶穌</a:t>
             </a:r>
             <a:r>
-              <a:rPr lang="zh-CN" altLang="en-US" sz="6400" b="1" dirty="0">
+              <a:rPr lang="zh-CN" altLang="en-US" sz="6400" b="1" dirty="0" smtClean="0">
                 <a:solidFill>
                   <a:srgbClr val="660033"/>
                 </a:solidFill>
                 <a:latin typeface="微軟正黑體" pitchFamily="34" charset="-120"/>
                 <a:ea typeface="微軟正黑體" pitchFamily="34" charset="-120"/>
               </a:rPr>
-              <a:t>袮</a:t>
-            </a:r>
-            <a:r>
-              <a:rPr lang="zh-TW" altLang="en-US" sz="6400" b="1" dirty="0">
+              <a:t>祢</a:t>
+            </a:r>
+            <a:r>
+              <a:rPr lang="zh-TW" altLang="en-US" sz="6400" b="1" dirty="0" smtClean="0">
                 <a:solidFill>
                   <a:srgbClr val="660033"/>
                 </a:solidFill>
                 <a:latin typeface="微軟正黑體" pitchFamily="34" charset="-120"/>
                 <a:ea typeface="微軟正黑體" pitchFamily="34" charset="-120"/>
               </a:rPr>
-              <a:t>能使瞎眼看見</a:t>
+              <a:t>能</a:t>
+            </a:r>
+            <a:r>
+              <a:rPr lang="zh-TW" altLang="en-US" sz="6400" b="1" dirty="0">
+                <a:solidFill>
+                  <a:srgbClr val="660033"/>
+                </a:solidFill>
+                <a:latin typeface="微軟正黑體" pitchFamily="34" charset="-120"/>
+                <a:ea typeface="微軟正黑體" pitchFamily="34" charset="-120"/>
+              </a:rPr>
+              <a:t>使瞎眼看見</a:t>
             </a:r>
             <a:endParaRPr lang="en-US" altLang="zh-TW" sz="6400" b="1" dirty="0">
               <a:solidFill>
@@ -3236,7 +3253,7 @@
               <a:buNone/>
             </a:pPr>
             <a:r>
-              <a:rPr lang="zh-TW" altLang="en-US" sz="6400" b="1" dirty="0">
+              <a:rPr lang="zh-TW" altLang="en-US" sz="6400" b="1" dirty="0" smtClean="0">
                 <a:solidFill>
                   <a:srgbClr val="660033"/>
                 </a:solidFill>
@@ -3246,24 +3263,34 @@
               <a:t>耶穌</a:t>
             </a:r>
             <a:r>
-              <a:rPr lang="zh-CN" altLang="en-US" sz="6400" b="1" dirty="0">
+              <a:rPr lang="zh-CN" altLang="en-US" sz="6400" b="1" dirty="0" smtClean="0">
                 <a:solidFill>
                   <a:srgbClr val="660033"/>
                 </a:solidFill>
                 <a:latin typeface="微軟正黑體" pitchFamily="34" charset="-120"/>
                 <a:ea typeface="微軟正黑體" pitchFamily="34" charset="-120"/>
               </a:rPr>
-              <a:t>袮</a:t>
-            </a:r>
-            <a:r>
-              <a:rPr lang="zh-TW" altLang="en-US" sz="6400" b="1" dirty="0">
+              <a:t>祢</a:t>
+            </a:r>
+            <a:r>
+              <a:rPr lang="zh-TW" altLang="en-US" sz="6400" b="1" dirty="0" smtClean="0">
                 <a:solidFill>
                   <a:srgbClr val="660033"/>
                 </a:solidFill>
                 <a:latin typeface="微軟正黑體" pitchFamily="34" charset="-120"/>
                 <a:ea typeface="微軟正黑體" pitchFamily="34" charset="-120"/>
               </a:rPr>
-              <a:t>能醫治傷心人</a:t>
+              <a:t>能</a:t>
+            </a:r>
+            <a:r>
+              <a:rPr lang="zh-TW" altLang="en-US" sz="6400" b="1" dirty="0">
+                <a:solidFill>
+                  <a:srgbClr val="660033"/>
+                </a:solidFill>
+                <a:latin typeface="微軟正黑體" pitchFamily="34" charset="-120"/>
+                <a:ea typeface="微軟正黑體" pitchFamily="34" charset="-120"/>
+              </a:rPr>
+              <a:t>醫治傷心人</a:t>
             </a:r>
             <a:endParaRPr lang="en-US" altLang="zh-TW" sz="6400" b="1" dirty="0">
               <a:solidFill>
@@ -3278,7 +3305,7 @@
     </p:spTree>
     <p:extLst>
       <p:ext uri="{BB962C8B-B14F-4D97-AF65-F5344CB8AC3E}">
-        <p14:creationId xmlns:p14="http://schemas.microsoft.com/office/powerpoint/2010/main" val="1873981163"/>
+        <p14:creationId xmlns:p14="http://schemas.microsoft.com/office/powerpoint/2010/main" xmlns="" val="1873981163"/>
       </p:ext>
     </p:extLst>
   </p:cSld>
@@ -3317,7 +3344,7 @@
         </p:nvSpPr>
         <p:spPr>
           <a:xfrm>
-            <a:off x="0" y="2084851"/>
+            <a:off x="0" y="2084853"/>
             <a:ext cx="12192000" cy="2404863"/>
           </a:xfrm>
         </p:spPr>
@@ -3331,7 +3358,7 @@
               <a:buNone/>
             </a:pPr>
             <a:r>
-              <a:rPr lang="zh-TW" altLang="en-US" sz="6400" b="1" dirty="0">
+              <a:rPr lang="zh-TW" altLang="en-US" sz="6400" b="1" dirty="0" smtClean="0">
                 <a:solidFill>
                   <a:srgbClr val="660033"/>
                 </a:solidFill>
@@ -3341,24 +3368,34 @@
               <a:t>耶穌</a:t>
             </a:r>
             <a:r>
-              <a:rPr lang="zh-CN" altLang="en-US" sz="6400" b="1" dirty="0">
+              <a:rPr lang="zh-CN" altLang="en-US" sz="6400" b="1" dirty="0" smtClean="0">
                 <a:solidFill>
                   <a:srgbClr val="660033"/>
                 </a:solidFill>
                 <a:latin typeface="微軟正黑體" pitchFamily="34" charset="-120"/>
                 <a:ea typeface="微軟正黑體" pitchFamily="34" charset="-120"/>
               </a:rPr>
-              <a:t>袮</a:t>
-            </a:r>
-            <a:r>
-              <a:rPr lang="zh-TW" altLang="en-US" sz="6400" b="1" dirty="0">
+              <a:t>祢</a:t>
+            </a:r>
+            <a:r>
+              <a:rPr lang="zh-TW" altLang="en-US" sz="6400" b="1" dirty="0" smtClean="0">
                 <a:solidFill>
                   <a:srgbClr val="660033"/>
                 </a:solidFill>
                 <a:latin typeface="微軟正黑體" pitchFamily="34" charset="-120"/>
                 <a:ea typeface="微軟正黑體" pitchFamily="34" charset="-120"/>
               </a:rPr>
-              <a:t>有權柄釋放</a:t>
+              <a:t>有</a:t>
+            </a:r>
+            <a:r>
+              <a:rPr lang="zh-TW" altLang="en-US" sz="6400" b="1" dirty="0">
+                <a:solidFill>
+                  <a:srgbClr val="660033"/>
+                </a:solidFill>
+                <a:latin typeface="微軟正黑體" pitchFamily="34" charset="-120"/>
+                <a:ea typeface="微軟正黑體" pitchFamily="34" charset="-120"/>
+              </a:rPr>
+              <a:t>權柄釋放</a:t>
             </a:r>
             <a:endParaRPr lang="en-US" altLang="zh-TW" sz="6400" b="1" dirty="0">
               <a:solidFill>
@@ -3382,20 +3419,13 @@
               </a:rPr>
               <a:t>叫不可能變為可能</a:t>
             </a:r>
-            <a:endParaRPr lang="zh-TW" altLang="en-US" sz="6400" b="1" dirty="0">
-              <a:solidFill>
-                <a:srgbClr val="660033"/>
-              </a:solidFill>
-              <a:latin typeface="微軟正黑體" pitchFamily="34" charset="-120"/>
-              <a:ea typeface="微軟正黑體" pitchFamily="34" charset="-120"/>
-            </a:endParaRPr>
           </a:p>
         </p:txBody>
       </p:sp>
     </p:spTree>
     <p:extLst>
       <p:ext uri="{BB962C8B-B14F-4D97-AF65-F5344CB8AC3E}">
-        <p14:creationId xmlns:p14="http://schemas.microsoft.com/office/powerpoint/2010/main" val="1283900834"/>
+        <p14:creationId xmlns:p14="http://schemas.microsoft.com/office/powerpoint/2010/main" xmlns="" val="1283900834"/>
       </p:ext>
     </p:extLst>
   </p:cSld>
@@ -3434,7 +3464,7 @@
         </p:nvSpPr>
         <p:spPr>
           <a:xfrm>
-            <a:off x="0" y="2084851"/>
+            <a:off x="0" y="2084853"/>
             <a:ext cx="12192000" cy="2404863"/>
           </a:xfrm>
         </p:spPr>
@@ -3492,7 +3522,7 @@
     </p:spTree>
     <p:extLst>
       <p:ext uri="{BB962C8B-B14F-4D97-AF65-F5344CB8AC3E}">
-        <p14:creationId xmlns:p14="http://schemas.microsoft.com/office/powerpoint/2010/main" val="2081422581"/>
+        <p14:creationId xmlns:p14="http://schemas.microsoft.com/office/powerpoint/2010/main" xmlns="" val="2081422581"/>
       </p:ext>
     </p:extLst>
   </p:cSld>
@@ -3531,7 +3561,7 @@
         </p:nvSpPr>
         <p:spPr>
           <a:xfrm>
-            <a:off x="0" y="2084851"/>
+            <a:off x="0" y="2084853"/>
             <a:ext cx="12192000" cy="2404863"/>
           </a:xfrm>
         </p:spPr>
@@ -3589,7 +3619,7 @@
     </p:spTree>
     <p:extLst>
       <p:ext uri="{BB962C8B-B14F-4D97-AF65-F5344CB8AC3E}">
-        <p14:creationId xmlns:p14="http://schemas.microsoft.com/office/powerpoint/2010/main" val="4152005013"/>
+        <p14:creationId xmlns:p14="http://schemas.microsoft.com/office/powerpoint/2010/main" xmlns="" val="4152005013"/>
       </p:ext>
     </p:extLst>
   </p:cSld>
@@ -3628,7 +3658,7 @@
         </p:nvSpPr>
         <p:spPr>
           <a:xfrm>
-            <a:off x="0" y="2084851"/>
+            <a:off x="0" y="2084853"/>
             <a:ext cx="12192000" cy="2404863"/>
           </a:xfrm>
         </p:spPr>
@@ -3649,20 +3679,30 @@
                 <a:latin typeface="微軟正黑體" pitchFamily="34" charset="-120"/>
                 <a:ea typeface="微軟正黑體" pitchFamily="34" charset="-120"/>
               </a:rPr>
-              <a:t>耶穌無人與</a:t>
-            </a:r>
-            <a:r>
-              <a:rPr lang="zh-CN" altLang="en-US" sz="6400" b="1" dirty="0">
+              <a:t>耶穌無人</a:t>
+            </a:r>
+            <a:r>
+              <a:rPr lang="zh-TW" altLang="en-US" sz="6400" b="1" dirty="0" smtClean="0">
                 <a:solidFill>
                   <a:srgbClr val="660033"/>
                 </a:solidFill>
                 <a:latin typeface="微軟正黑體" pitchFamily="34" charset="-120"/>
                 <a:ea typeface="微軟正黑體" pitchFamily="34" charset="-120"/>
               </a:rPr>
-              <a:t>袮</a:t>
-            </a:r>
-            <a:r>
-              <a:rPr lang="zh-TW" altLang="en-US" sz="6400" b="1" dirty="0">
+              <a:t>與</a:t>
+            </a:r>
+            <a:r>
+              <a:rPr lang="zh-CN" altLang="en-US" sz="6400" b="1" dirty="0" smtClean="0">
+                <a:solidFill>
+                  <a:srgbClr val="660033"/>
+                </a:solidFill>
+                <a:latin typeface="微軟正黑體" pitchFamily="34" charset="-120"/>
+                <a:ea typeface="微軟正黑體" pitchFamily="34" charset="-120"/>
+              </a:rPr>
+              <a:t>祢</a:t>
+            </a:r>
+            <a:r>
+              <a:rPr lang="zh-TW" altLang="en-US" sz="6400" b="1" dirty="0" smtClean="0">
                 <a:solidFill>
                   <a:srgbClr val="660033"/>
                 </a:solidFill>
@@ -3684,7 +3724,7 @@
     </p:spTree>
     <p:extLst>
       <p:ext uri="{BB962C8B-B14F-4D97-AF65-F5344CB8AC3E}">
-        <p14:creationId xmlns:p14="http://schemas.microsoft.com/office/powerpoint/2010/main" val="714244842"/>
+        <p14:creationId xmlns:p14="http://schemas.microsoft.com/office/powerpoint/2010/main" xmlns="" val="714244842"/>
       </p:ext>
     </p:extLst>
   </p:cSld>

--- a/唯有耶穌(崇拜版).pptx
+++ b/唯有耶穌(崇拜版).pptx
@@ -11,6 +11,18 @@
     <p:sldId id="267" r:id="rId5"/>
     <p:sldId id="268" r:id="rId6"/>
     <p:sldId id="269" r:id="rId7"/>
+    <p:sldId id="270" r:id="rId8"/>
+    <p:sldId id="271" r:id="rId9"/>
+    <p:sldId id="272" r:id="rId10"/>
+    <p:sldId id="273" r:id="rId11"/>
+    <p:sldId id="274" r:id="rId12"/>
+    <p:sldId id="275" r:id="rId13"/>
+    <p:sldId id="276" r:id="rId14"/>
+    <p:sldId id="277" r:id="rId15"/>
+    <p:sldId id="278" r:id="rId16"/>
+    <p:sldId id="279" r:id="rId17"/>
+    <p:sldId id="280" r:id="rId18"/>
+    <p:sldId id="281" r:id="rId19"/>
   </p:sldIdLst>
   <p:sldSz cx="12192000" cy="6858000"/>
   <p:notesSz cx="6858000" cy="9144000"/>
@@ -111,7 +123,7 @@
   </p:defaultTextStyle>
   <p:extLst>
     <p:ext uri="{EFAFB233-063F-42B5-8137-9DF3F51BA10A}">
-      <p15:sldGuideLst xmlns:p15="http://schemas.microsoft.com/office/powerpoint/2012/main" xmlns="">
+      <p15:sldGuideLst xmlns="" xmlns:p15="http://schemas.microsoft.com/office/powerpoint/2012/main">
         <p15:guide id="1" orient="horz" pos="2160" userDrawn="1">
           <p15:clr>
             <a:srgbClr val="A4A3A4"/>
@@ -310,7 +322,7 @@
             <a:fld id="{49CD2A50-85AC-4EAF-B333-6B51C447FC29}" type="datetimeFigureOut">
               <a:rPr lang="zh-TW" altLang="en-US" smtClean="0"/>
               <a:pPr/>
-              <a:t>2023/4/13</a:t>
+              <a:t>2023/11/23</a:t>
             </a:fld>
             <a:endParaRPr lang="zh-TW" altLang="en-US"/>
           </a:p>
@@ -477,7 +489,7 @@
             <a:fld id="{49CD2A50-85AC-4EAF-B333-6B51C447FC29}" type="datetimeFigureOut">
               <a:rPr lang="zh-TW" altLang="en-US" smtClean="0"/>
               <a:pPr/>
-              <a:t>2023/4/13</a:t>
+              <a:t>2023/11/23</a:t>
             </a:fld>
             <a:endParaRPr lang="zh-TW" altLang="en-US"/>
           </a:p>
@@ -654,7 +666,7 @@
             <a:fld id="{49CD2A50-85AC-4EAF-B333-6B51C447FC29}" type="datetimeFigureOut">
               <a:rPr lang="zh-TW" altLang="en-US" smtClean="0"/>
               <a:pPr/>
-              <a:t>2023/4/13</a:t>
+              <a:t>2023/11/23</a:t>
             </a:fld>
             <a:endParaRPr lang="zh-TW" altLang="en-US"/>
           </a:p>
@@ -821,7 +833,7 @@
             <a:fld id="{49CD2A50-85AC-4EAF-B333-6B51C447FC29}" type="datetimeFigureOut">
               <a:rPr lang="zh-TW" altLang="en-US" smtClean="0"/>
               <a:pPr/>
-              <a:t>2023/4/13</a:t>
+              <a:t>2023/11/23</a:t>
             </a:fld>
             <a:endParaRPr lang="zh-TW" altLang="en-US"/>
           </a:p>
@@ -1064,7 +1076,7 @@
             <a:fld id="{49CD2A50-85AC-4EAF-B333-6B51C447FC29}" type="datetimeFigureOut">
               <a:rPr lang="zh-TW" altLang="en-US" smtClean="0"/>
               <a:pPr/>
-              <a:t>2023/4/13</a:t>
+              <a:t>2023/11/23</a:t>
             </a:fld>
             <a:endParaRPr lang="zh-TW" altLang="en-US"/>
           </a:p>
@@ -1349,7 +1361,7 @@
             <a:fld id="{49CD2A50-85AC-4EAF-B333-6B51C447FC29}" type="datetimeFigureOut">
               <a:rPr lang="zh-TW" altLang="en-US" smtClean="0"/>
               <a:pPr/>
-              <a:t>2023/4/13</a:t>
+              <a:t>2023/11/23</a:t>
             </a:fld>
             <a:endParaRPr lang="zh-TW" altLang="en-US"/>
           </a:p>
@@ -1768,7 +1780,7 @@
             <a:fld id="{49CD2A50-85AC-4EAF-B333-6B51C447FC29}" type="datetimeFigureOut">
               <a:rPr lang="zh-TW" altLang="en-US" smtClean="0"/>
               <a:pPr/>
-              <a:t>2023/4/13</a:t>
+              <a:t>2023/11/23</a:t>
             </a:fld>
             <a:endParaRPr lang="zh-TW" altLang="en-US"/>
           </a:p>
@@ -1883,7 +1895,7 @@
             <a:fld id="{49CD2A50-85AC-4EAF-B333-6B51C447FC29}" type="datetimeFigureOut">
               <a:rPr lang="zh-TW" altLang="en-US" smtClean="0"/>
               <a:pPr/>
-              <a:t>2023/4/13</a:t>
+              <a:t>2023/11/23</a:t>
             </a:fld>
             <a:endParaRPr lang="zh-TW" altLang="en-US"/>
           </a:p>
@@ -1975,7 +1987,7 @@
             <a:fld id="{49CD2A50-85AC-4EAF-B333-6B51C447FC29}" type="datetimeFigureOut">
               <a:rPr lang="zh-TW" altLang="en-US" smtClean="0"/>
               <a:pPr/>
-              <a:t>2023/4/13</a:t>
+              <a:t>2023/11/23</a:t>
             </a:fld>
             <a:endParaRPr lang="zh-TW" altLang="en-US"/>
           </a:p>
@@ -2249,7 +2261,7 @@
             <a:fld id="{49CD2A50-85AC-4EAF-B333-6B51C447FC29}" type="datetimeFigureOut">
               <a:rPr lang="zh-TW" altLang="en-US" smtClean="0"/>
               <a:pPr/>
-              <a:t>2023/4/13</a:t>
+              <a:t>2023/11/23</a:t>
             </a:fld>
             <a:endParaRPr lang="zh-TW" altLang="en-US"/>
           </a:p>
@@ -2503,7 +2515,7 @@
             <a:fld id="{49CD2A50-85AC-4EAF-B333-6B51C447FC29}" type="datetimeFigureOut">
               <a:rPr lang="zh-TW" altLang="en-US" smtClean="0"/>
               <a:pPr/>
-              <a:t>2023/4/13</a:t>
+              <a:t>2023/11/23</a:t>
             </a:fld>
             <a:endParaRPr lang="zh-TW" altLang="en-US"/>
           </a:p>
@@ -2718,7 +2730,7 @@
             <a:fld id="{49CD2A50-85AC-4EAF-B333-6B51C447FC29}" type="datetimeFigureOut">
               <a:rPr lang="zh-TW" altLang="en-US" smtClean="0"/>
               <a:pPr/>
-              <a:t>2023/4/13</a:t>
+              <a:t>2023/11/23</a:t>
             </a:fld>
             <a:endParaRPr lang="zh-TW" altLang="en-US"/>
           </a:p>
@@ -3148,7 +3160,904 @@
     </p:spTree>
     <p:extLst>
       <p:ext uri="{BB962C8B-B14F-4D97-AF65-F5344CB8AC3E}">
-        <p14:creationId xmlns:p14="http://schemas.microsoft.com/office/powerpoint/2010/main" xmlns="" val="2765166867"/>
+        <p14:creationId xmlns="" xmlns:p14="http://schemas.microsoft.com/office/powerpoint/2010/main" val="2765166867"/>
+      </p:ext>
+    </p:extLst>
+  </p:cSld>
+  <p:clrMapOvr>
+    <a:masterClrMapping/>
+  </p:clrMapOvr>
+</p:sld>
+</file>
+
+<file path=ppt/slides/slide10.xml><?xml version="1.0" encoding="utf-8"?>
+<p:sld xmlns:a="http://schemas.openxmlformats.org/drawingml/2006/main" xmlns:r="http://schemas.openxmlformats.org/officeDocument/2006/relationships" xmlns:p="http://schemas.openxmlformats.org/presentationml/2006/main">
+  <p:cSld>
+    <p:spTree>
+      <p:nvGrpSpPr>
+        <p:cNvPr id="1" name=""/>
+        <p:cNvGrpSpPr/>
+        <p:nvPr/>
+      </p:nvGrpSpPr>
+      <p:grpSpPr>
+        <a:xfrm>
+          <a:off x="0" y="0"/>
+          <a:ext cx="0" cy="0"/>
+          <a:chOff x="0" y="0"/>
+          <a:chExt cx="0" cy="0"/>
+        </a:xfrm>
+      </p:grpSpPr>
+      <p:sp>
+        <p:nvSpPr>
+          <p:cNvPr id="5" name="內容版面配置區 4"/>
+          <p:cNvSpPr>
+            <a:spLocks noGrp="1"/>
+          </p:cNvSpPr>
+          <p:nvPr>
+            <p:ph idx="1"/>
+          </p:nvPr>
+        </p:nvSpPr>
+        <p:spPr>
+          <a:xfrm>
+            <a:off x="0" y="2084853"/>
+            <a:ext cx="12192000" cy="2404863"/>
+          </a:xfrm>
+        </p:spPr>
+        <p:txBody>
+          <a:bodyPr anchor="ctr">
+            <a:normAutofit/>
+          </a:bodyPr>
+          <a:lstStyle/>
+          <a:p>
+            <a:pPr algn="ctr">
+              <a:buNone/>
+            </a:pPr>
+            <a:r>
+              <a:rPr lang="zh-TW" altLang="en-US" sz="6400" b="1" dirty="0">
+                <a:solidFill>
+                  <a:srgbClr val="660033"/>
+                </a:solidFill>
+                <a:latin typeface="微軟正黑體" pitchFamily="34" charset="-120"/>
+                <a:ea typeface="微軟正黑體" pitchFamily="34" charset="-120"/>
+              </a:rPr>
+              <a:t>唯有耶穌掌管天地萬有</a:t>
+            </a:r>
+            <a:endParaRPr lang="en-US" altLang="zh-TW" sz="6400" b="1" dirty="0">
+              <a:solidFill>
+                <a:srgbClr val="660033"/>
+              </a:solidFill>
+              <a:latin typeface="微軟正黑體" pitchFamily="34" charset="-120"/>
+              <a:ea typeface="微軟正黑體" pitchFamily="34" charset="-120"/>
+            </a:endParaRPr>
+          </a:p>
+          <a:p>
+            <a:pPr algn="ctr">
+              <a:buNone/>
+            </a:pPr>
+            <a:r>
+              <a:rPr lang="zh-TW" altLang="en-US" sz="6400" b="1" dirty="0">
+                <a:solidFill>
+                  <a:srgbClr val="660033"/>
+                </a:solidFill>
+                <a:latin typeface="微軟正黑體" pitchFamily="34" charset="-120"/>
+                <a:ea typeface="微軟正黑體" pitchFamily="34" charset="-120"/>
+              </a:rPr>
+              <a:t>唯有耶穌能使水變成酒</a:t>
+            </a:r>
+            <a:endParaRPr lang="en-US" altLang="zh-TW" sz="6400" b="1" dirty="0">
+              <a:solidFill>
+                <a:srgbClr val="660033"/>
+              </a:solidFill>
+              <a:latin typeface="微軟正黑體" pitchFamily="34" charset="-120"/>
+              <a:ea typeface="微軟正黑體" pitchFamily="34" charset="-120"/>
+            </a:endParaRPr>
+          </a:p>
+        </p:txBody>
+      </p:sp>
+    </p:spTree>
+    <p:extLst>
+      <p:ext uri="{BB962C8B-B14F-4D97-AF65-F5344CB8AC3E}">
+        <p14:creationId xmlns="" xmlns:p14="http://schemas.microsoft.com/office/powerpoint/2010/main" val="2081422581"/>
+      </p:ext>
+    </p:extLst>
+  </p:cSld>
+  <p:clrMapOvr>
+    <a:masterClrMapping/>
+  </p:clrMapOvr>
+</p:sld>
+</file>
+
+<file path=ppt/slides/slide11.xml><?xml version="1.0" encoding="utf-8"?>
+<p:sld xmlns:a="http://schemas.openxmlformats.org/drawingml/2006/main" xmlns:r="http://schemas.openxmlformats.org/officeDocument/2006/relationships" xmlns:p="http://schemas.openxmlformats.org/presentationml/2006/main">
+  <p:cSld>
+    <p:spTree>
+      <p:nvGrpSpPr>
+        <p:cNvPr id="1" name=""/>
+        <p:cNvGrpSpPr/>
+        <p:nvPr/>
+      </p:nvGrpSpPr>
+      <p:grpSpPr>
+        <a:xfrm>
+          <a:off x="0" y="0"/>
+          <a:ext cx="0" cy="0"/>
+          <a:chOff x="0" y="0"/>
+          <a:chExt cx="0" cy="0"/>
+        </a:xfrm>
+      </p:grpSpPr>
+      <p:sp>
+        <p:nvSpPr>
+          <p:cNvPr id="5" name="內容版面配置區 4"/>
+          <p:cNvSpPr>
+            <a:spLocks noGrp="1"/>
+          </p:cNvSpPr>
+          <p:nvPr>
+            <p:ph idx="1"/>
+          </p:nvPr>
+        </p:nvSpPr>
+        <p:spPr>
+          <a:xfrm>
+            <a:off x="0" y="2084853"/>
+            <a:ext cx="12192000" cy="2404863"/>
+          </a:xfrm>
+        </p:spPr>
+        <p:txBody>
+          <a:bodyPr anchor="ctr">
+            <a:normAutofit/>
+          </a:bodyPr>
+          <a:lstStyle/>
+          <a:p>
+            <a:pPr algn="ctr">
+              <a:buNone/>
+            </a:pPr>
+            <a:r>
+              <a:rPr lang="zh-TW" altLang="en-US" sz="6400" b="1" dirty="0">
+                <a:solidFill>
+                  <a:srgbClr val="660033"/>
+                </a:solidFill>
+                <a:latin typeface="微軟正黑體" pitchFamily="34" charset="-120"/>
+                <a:ea typeface="微軟正黑體" pitchFamily="34" charset="-120"/>
+              </a:rPr>
+              <a:t>叫狂風巨浪平息</a:t>
+            </a:r>
+            <a:endParaRPr lang="en-US" altLang="zh-TW" sz="6400" b="1" dirty="0">
+              <a:solidFill>
+                <a:srgbClr val="660033"/>
+              </a:solidFill>
+              <a:latin typeface="微軟正黑體" pitchFamily="34" charset="-120"/>
+              <a:ea typeface="微軟正黑體" pitchFamily="34" charset="-120"/>
+            </a:endParaRPr>
+          </a:p>
+          <a:p>
+            <a:pPr algn="ctr">
+              <a:buNone/>
+            </a:pPr>
+            <a:r>
+              <a:rPr lang="zh-TW" altLang="en-US" sz="6400" b="1" dirty="0">
+                <a:solidFill>
+                  <a:srgbClr val="660033"/>
+                </a:solidFill>
+                <a:latin typeface="微軟正黑體" pitchFamily="34" charset="-120"/>
+                <a:ea typeface="微軟正黑體" pitchFamily="34" charset="-120"/>
+              </a:rPr>
+              <a:t>大能赦罪行神蹟</a:t>
+            </a:r>
+            <a:endParaRPr lang="en-US" altLang="zh-TW" sz="6400" b="1" dirty="0">
+              <a:solidFill>
+                <a:srgbClr val="660033"/>
+              </a:solidFill>
+              <a:latin typeface="微軟正黑體" pitchFamily="34" charset="-120"/>
+              <a:ea typeface="微軟正黑體" pitchFamily="34" charset="-120"/>
+            </a:endParaRPr>
+          </a:p>
+        </p:txBody>
+      </p:sp>
+    </p:spTree>
+    <p:extLst>
+      <p:ext uri="{BB962C8B-B14F-4D97-AF65-F5344CB8AC3E}">
+        <p14:creationId xmlns="" xmlns:p14="http://schemas.microsoft.com/office/powerpoint/2010/main" val="4152005013"/>
+      </p:ext>
+    </p:extLst>
+  </p:cSld>
+  <p:clrMapOvr>
+    <a:masterClrMapping/>
+  </p:clrMapOvr>
+</p:sld>
+</file>
+
+<file path=ppt/slides/slide12.xml><?xml version="1.0" encoding="utf-8"?>
+<p:sld xmlns:a="http://schemas.openxmlformats.org/drawingml/2006/main" xmlns:r="http://schemas.openxmlformats.org/officeDocument/2006/relationships" xmlns:p="http://schemas.openxmlformats.org/presentationml/2006/main">
+  <p:cSld>
+    <p:spTree>
+      <p:nvGrpSpPr>
+        <p:cNvPr id="1" name=""/>
+        <p:cNvGrpSpPr/>
+        <p:nvPr/>
+      </p:nvGrpSpPr>
+      <p:grpSpPr>
+        <a:xfrm>
+          <a:off x="0" y="0"/>
+          <a:ext cx="0" cy="0"/>
+          <a:chOff x="0" y="0"/>
+          <a:chExt cx="0" cy="0"/>
+        </a:xfrm>
+      </p:grpSpPr>
+      <p:sp>
+        <p:nvSpPr>
+          <p:cNvPr id="5" name="內容版面配置區 4"/>
+          <p:cNvSpPr>
+            <a:spLocks noGrp="1"/>
+          </p:cNvSpPr>
+          <p:nvPr>
+            <p:ph idx="1"/>
+          </p:nvPr>
+        </p:nvSpPr>
+        <p:spPr>
+          <a:xfrm>
+            <a:off x="0" y="2084853"/>
+            <a:ext cx="12192000" cy="2404863"/>
+          </a:xfrm>
+        </p:spPr>
+        <p:txBody>
+          <a:bodyPr anchor="ctr">
+            <a:normAutofit/>
+          </a:bodyPr>
+          <a:lstStyle/>
+          <a:p>
+            <a:pPr algn="ctr">
+              <a:buNone/>
+            </a:pPr>
+            <a:r>
+              <a:rPr lang="zh-TW" altLang="en-US" sz="6400" b="1" dirty="0">
+                <a:solidFill>
+                  <a:srgbClr val="660033"/>
+                </a:solidFill>
+                <a:latin typeface="微軟正黑體" pitchFamily="34" charset="-120"/>
+                <a:ea typeface="微軟正黑體" pitchFamily="34" charset="-120"/>
+              </a:rPr>
+              <a:t>耶穌無人</a:t>
+            </a:r>
+            <a:r>
+              <a:rPr lang="zh-TW" altLang="en-US" sz="6400" b="1" dirty="0" smtClean="0">
+                <a:solidFill>
+                  <a:srgbClr val="660033"/>
+                </a:solidFill>
+                <a:latin typeface="微軟正黑體" pitchFamily="34" charset="-120"/>
+                <a:ea typeface="微軟正黑體" pitchFamily="34" charset="-120"/>
+              </a:rPr>
+              <a:t>與</a:t>
+            </a:r>
+            <a:r>
+              <a:rPr lang="zh-CN" altLang="en-US" sz="6400" b="1" dirty="0" smtClean="0">
+                <a:solidFill>
+                  <a:srgbClr val="660033"/>
+                </a:solidFill>
+                <a:latin typeface="微軟正黑體" pitchFamily="34" charset="-120"/>
+                <a:ea typeface="微軟正黑體" pitchFamily="34" charset="-120"/>
+              </a:rPr>
+              <a:t>祢</a:t>
+            </a:r>
+            <a:r>
+              <a:rPr lang="zh-TW" altLang="en-US" sz="6400" b="1" dirty="0" smtClean="0">
+                <a:solidFill>
+                  <a:srgbClr val="660033"/>
+                </a:solidFill>
+                <a:latin typeface="微軟正黑體" pitchFamily="34" charset="-120"/>
+                <a:ea typeface="微軟正黑體" pitchFamily="34" charset="-120"/>
+              </a:rPr>
+              <a:t>相比</a:t>
+            </a:r>
+            <a:endParaRPr lang="zh-TW" altLang="en-US" sz="6400" b="1" dirty="0">
+              <a:solidFill>
+                <a:srgbClr val="660033"/>
+              </a:solidFill>
+              <a:latin typeface="微軟正黑體" pitchFamily="34" charset="-120"/>
+              <a:ea typeface="微軟正黑體" pitchFamily="34" charset="-120"/>
+            </a:endParaRPr>
+          </a:p>
+        </p:txBody>
+      </p:sp>
+    </p:spTree>
+    <p:extLst>
+      <p:ext uri="{BB962C8B-B14F-4D97-AF65-F5344CB8AC3E}">
+        <p14:creationId xmlns="" xmlns:p14="http://schemas.microsoft.com/office/powerpoint/2010/main" val="714244842"/>
+      </p:ext>
+    </p:extLst>
+  </p:cSld>
+  <p:clrMapOvr>
+    <a:masterClrMapping/>
+  </p:clrMapOvr>
+</p:sld>
+</file>
+
+<file path=ppt/slides/slide13.xml><?xml version="1.0" encoding="utf-8"?>
+<p:sld xmlns:a="http://schemas.openxmlformats.org/drawingml/2006/main" xmlns:r="http://schemas.openxmlformats.org/officeDocument/2006/relationships" xmlns:p="http://schemas.openxmlformats.org/presentationml/2006/main">
+  <p:cSld>
+    <p:spTree>
+      <p:nvGrpSpPr>
+        <p:cNvPr id="1" name=""/>
+        <p:cNvGrpSpPr/>
+        <p:nvPr/>
+      </p:nvGrpSpPr>
+      <p:grpSpPr>
+        <a:xfrm>
+          <a:off x="0" y="0"/>
+          <a:ext cx="0" cy="0"/>
+          <a:chOff x="0" y="0"/>
+          <a:chExt cx="0" cy="0"/>
+        </a:xfrm>
+      </p:grpSpPr>
+      <p:sp>
+        <p:nvSpPr>
+          <p:cNvPr id="5" name="內容版面配置區 4"/>
+          <p:cNvSpPr>
+            <a:spLocks noGrp="1"/>
+          </p:cNvSpPr>
+          <p:nvPr>
+            <p:ph idx="1"/>
+          </p:nvPr>
+        </p:nvSpPr>
+        <p:spPr>
+          <a:xfrm>
+            <a:off x="0" y="2084853"/>
+            <a:ext cx="12192000" cy="2404863"/>
+          </a:xfrm>
+        </p:spPr>
+        <p:txBody>
+          <a:bodyPr anchor="ctr">
+            <a:normAutofit/>
+          </a:bodyPr>
+          <a:lstStyle/>
+          <a:p>
+            <a:pPr algn="ctr">
+              <a:buNone/>
+            </a:pPr>
+            <a:r>
+              <a:rPr lang="zh-TW" altLang="en-US" sz="6400" b="1" dirty="0">
+                <a:solidFill>
+                  <a:srgbClr val="660033"/>
+                </a:solidFill>
+                <a:latin typeface="微軟正黑體" pitchFamily="34" charset="-120"/>
+                <a:ea typeface="微軟正黑體" pitchFamily="34" charset="-120"/>
+              </a:rPr>
+              <a:t>唯有耶穌掌管天地萬有</a:t>
+            </a:r>
+            <a:endParaRPr lang="en-US" altLang="zh-TW" sz="6400" b="1" dirty="0">
+              <a:solidFill>
+                <a:srgbClr val="660033"/>
+              </a:solidFill>
+              <a:latin typeface="微軟正黑體" pitchFamily="34" charset="-120"/>
+              <a:ea typeface="微軟正黑體" pitchFamily="34" charset="-120"/>
+            </a:endParaRPr>
+          </a:p>
+          <a:p>
+            <a:pPr algn="ctr">
+              <a:buNone/>
+            </a:pPr>
+            <a:r>
+              <a:rPr lang="zh-TW" altLang="en-US" sz="6400" b="1" dirty="0">
+                <a:solidFill>
+                  <a:srgbClr val="660033"/>
+                </a:solidFill>
+                <a:latin typeface="微軟正黑體" pitchFamily="34" charset="-120"/>
+                <a:ea typeface="微軟正黑體" pitchFamily="34" charset="-120"/>
+              </a:rPr>
+              <a:t>唯有耶穌能使水變成酒</a:t>
+            </a:r>
+            <a:endParaRPr lang="en-US" altLang="zh-TW" sz="6400" b="1" dirty="0">
+              <a:solidFill>
+                <a:srgbClr val="660033"/>
+              </a:solidFill>
+              <a:latin typeface="微軟正黑體" pitchFamily="34" charset="-120"/>
+              <a:ea typeface="微軟正黑體" pitchFamily="34" charset="-120"/>
+            </a:endParaRPr>
+          </a:p>
+        </p:txBody>
+      </p:sp>
+    </p:spTree>
+    <p:extLst>
+      <p:ext uri="{BB962C8B-B14F-4D97-AF65-F5344CB8AC3E}">
+        <p14:creationId xmlns="" xmlns:p14="http://schemas.microsoft.com/office/powerpoint/2010/main" val="2081422581"/>
+      </p:ext>
+    </p:extLst>
+  </p:cSld>
+  <p:clrMapOvr>
+    <a:masterClrMapping/>
+  </p:clrMapOvr>
+</p:sld>
+</file>
+
+<file path=ppt/slides/slide14.xml><?xml version="1.0" encoding="utf-8"?>
+<p:sld xmlns:a="http://schemas.openxmlformats.org/drawingml/2006/main" xmlns:r="http://schemas.openxmlformats.org/officeDocument/2006/relationships" xmlns:p="http://schemas.openxmlformats.org/presentationml/2006/main">
+  <p:cSld>
+    <p:spTree>
+      <p:nvGrpSpPr>
+        <p:cNvPr id="1" name=""/>
+        <p:cNvGrpSpPr/>
+        <p:nvPr/>
+      </p:nvGrpSpPr>
+      <p:grpSpPr>
+        <a:xfrm>
+          <a:off x="0" y="0"/>
+          <a:ext cx="0" cy="0"/>
+          <a:chOff x="0" y="0"/>
+          <a:chExt cx="0" cy="0"/>
+        </a:xfrm>
+      </p:grpSpPr>
+      <p:sp>
+        <p:nvSpPr>
+          <p:cNvPr id="5" name="內容版面配置區 4"/>
+          <p:cNvSpPr>
+            <a:spLocks noGrp="1"/>
+          </p:cNvSpPr>
+          <p:nvPr>
+            <p:ph idx="1"/>
+          </p:nvPr>
+        </p:nvSpPr>
+        <p:spPr>
+          <a:xfrm>
+            <a:off x="0" y="2084853"/>
+            <a:ext cx="12192000" cy="2404863"/>
+          </a:xfrm>
+        </p:spPr>
+        <p:txBody>
+          <a:bodyPr anchor="ctr">
+            <a:normAutofit/>
+          </a:bodyPr>
+          <a:lstStyle/>
+          <a:p>
+            <a:pPr algn="ctr">
+              <a:buNone/>
+            </a:pPr>
+            <a:r>
+              <a:rPr lang="zh-TW" altLang="en-US" sz="6400" b="1" dirty="0">
+                <a:solidFill>
+                  <a:srgbClr val="660033"/>
+                </a:solidFill>
+                <a:latin typeface="微軟正黑體" pitchFamily="34" charset="-120"/>
+                <a:ea typeface="微軟正黑體" pitchFamily="34" charset="-120"/>
+              </a:rPr>
+              <a:t>叫狂風巨浪平息</a:t>
+            </a:r>
+            <a:endParaRPr lang="en-US" altLang="zh-TW" sz="6400" b="1" dirty="0">
+              <a:solidFill>
+                <a:srgbClr val="660033"/>
+              </a:solidFill>
+              <a:latin typeface="微軟正黑體" pitchFamily="34" charset="-120"/>
+              <a:ea typeface="微軟正黑體" pitchFamily="34" charset="-120"/>
+            </a:endParaRPr>
+          </a:p>
+          <a:p>
+            <a:pPr algn="ctr">
+              <a:buNone/>
+            </a:pPr>
+            <a:r>
+              <a:rPr lang="zh-TW" altLang="en-US" sz="6400" b="1" dirty="0">
+                <a:solidFill>
+                  <a:srgbClr val="660033"/>
+                </a:solidFill>
+                <a:latin typeface="微軟正黑體" pitchFamily="34" charset="-120"/>
+                <a:ea typeface="微軟正黑體" pitchFamily="34" charset="-120"/>
+              </a:rPr>
+              <a:t>大能赦罪行神蹟</a:t>
+            </a:r>
+            <a:endParaRPr lang="en-US" altLang="zh-TW" sz="6400" b="1" dirty="0">
+              <a:solidFill>
+                <a:srgbClr val="660033"/>
+              </a:solidFill>
+              <a:latin typeface="微軟正黑體" pitchFamily="34" charset="-120"/>
+              <a:ea typeface="微軟正黑體" pitchFamily="34" charset="-120"/>
+            </a:endParaRPr>
+          </a:p>
+        </p:txBody>
+      </p:sp>
+    </p:spTree>
+    <p:extLst>
+      <p:ext uri="{BB962C8B-B14F-4D97-AF65-F5344CB8AC3E}">
+        <p14:creationId xmlns="" xmlns:p14="http://schemas.microsoft.com/office/powerpoint/2010/main" val="4152005013"/>
+      </p:ext>
+    </p:extLst>
+  </p:cSld>
+  <p:clrMapOvr>
+    <a:masterClrMapping/>
+  </p:clrMapOvr>
+</p:sld>
+</file>
+
+<file path=ppt/slides/slide15.xml><?xml version="1.0" encoding="utf-8"?>
+<p:sld xmlns:a="http://schemas.openxmlformats.org/drawingml/2006/main" xmlns:r="http://schemas.openxmlformats.org/officeDocument/2006/relationships" xmlns:p="http://schemas.openxmlformats.org/presentationml/2006/main">
+  <p:cSld>
+    <p:spTree>
+      <p:nvGrpSpPr>
+        <p:cNvPr id="1" name=""/>
+        <p:cNvGrpSpPr/>
+        <p:nvPr/>
+      </p:nvGrpSpPr>
+      <p:grpSpPr>
+        <a:xfrm>
+          <a:off x="0" y="0"/>
+          <a:ext cx="0" cy="0"/>
+          <a:chOff x="0" y="0"/>
+          <a:chExt cx="0" cy="0"/>
+        </a:xfrm>
+      </p:grpSpPr>
+      <p:sp>
+        <p:nvSpPr>
+          <p:cNvPr id="5" name="內容版面配置區 4"/>
+          <p:cNvSpPr>
+            <a:spLocks noGrp="1"/>
+          </p:cNvSpPr>
+          <p:nvPr>
+            <p:ph idx="1"/>
+          </p:nvPr>
+        </p:nvSpPr>
+        <p:spPr>
+          <a:xfrm>
+            <a:off x="0" y="2084853"/>
+            <a:ext cx="12192000" cy="2404863"/>
+          </a:xfrm>
+        </p:spPr>
+        <p:txBody>
+          <a:bodyPr anchor="ctr">
+            <a:normAutofit/>
+          </a:bodyPr>
+          <a:lstStyle/>
+          <a:p>
+            <a:pPr algn="ctr">
+              <a:buNone/>
+            </a:pPr>
+            <a:r>
+              <a:rPr lang="zh-TW" altLang="en-US" sz="6400" b="1" dirty="0">
+                <a:solidFill>
+                  <a:srgbClr val="660033"/>
+                </a:solidFill>
+                <a:latin typeface="微軟正黑體" pitchFamily="34" charset="-120"/>
+                <a:ea typeface="微軟正黑體" pitchFamily="34" charset="-120"/>
+              </a:rPr>
+              <a:t>耶穌無人</a:t>
+            </a:r>
+            <a:r>
+              <a:rPr lang="zh-TW" altLang="en-US" sz="6400" b="1" dirty="0" smtClean="0">
+                <a:solidFill>
+                  <a:srgbClr val="660033"/>
+                </a:solidFill>
+                <a:latin typeface="微軟正黑體" pitchFamily="34" charset="-120"/>
+                <a:ea typeface="微軟正黑體" pitchFamily="34" charset="-120"/>
+              </a:rPr>
+              <a:t>與</a:t>
+            </a:r>
+            <a:r>
+              <a:rPr lang="zh-CN" altLang="en-US" sz="6400" b="1" dirty="0" smtClean="0">
+                <a:solidFill>
+                  <a:srgbClr val="660033"/>
+                </a:solidFill>
+                <a:latin typeface="微軟正黑體" pitchFamily="34" charset="-120"/>
+                <a:ea typeface="微軟正黑體" pitchFamily="34" charset="-120"/>
+              </a:rPr>
+              <a:t>祢</a:t>
+            </a:r>
+            <a:r>
+              <a:rPr lang="zh-TW" altLang="en-US" sz="6400" b="1" dirty="0" smtClean="0">
+                <a:solidFill>
+                  <a:srgbClr val="660033"/>
+                </a:solidFill>
+                <a:latin typeface="微軟正黑體" pitchFamily="34" charset="-120"/>
+                <a:ea typeface="微軟正黑體" pitchFamily="34" charset="-120"/>
+              </a:rPr>
+              <a:t>相比</a:t>
+            </a:r>
+            <a:endParaRPr lang="zh-TW" altLang="en-US" sz="6400" b="1" dirty="0">
+              <a:solidFill>
+                <a:srgbClr val="660033"/>
+              </a:solidFill>
+              <a:latin typeface="微軟正黑體" pitchFamily="34" charset="-120"/>
+              <a:ea typeface="微軟正黑體" pitchFamily="34" charset="-120"/>
+            </a:endParaRPr>
+          </a:p>
+        </p:txBody>
+      </p:sp>
+    </p:spTree>
+    <p:extLst>
+      <p:ext uri="{BB962C8B-B14F-4D97-AF65-F5344CB8AC3E}">
+        <p14:creationId xmlns="" xmlns:p14="http://schemas.microsoft.com/office/powerpoint/2010/main" val="714244842"/>
+      </p:ext>
+    </p:extLst>
+  </p:cSld>
+  <p:clrMapOvr>
+    <a:masterClrMapping/>
+  </p:clrMapOvr>
+</p:sld>
+</file>
+
+<file path=ppt/slides/slide16.xml><?xml version="1.0" encoding="utf-8"?>
+<p:sld xmlns:a="http://schemas.openxmlformats.org/drawingml/2006/main" xmlns:r="http://schemas.openxmlformats.org/officeDocument/2006/relationships" xmlns:p="http://schemas.openxmlformats.org/presentationml/2006/main">
+  <p:cSld>
+    <p:spTree>
+      <p:nvGrpSpPr>
+        <p:cNvPr id="1" name=""/>
+        <p:cNvGrpSpPr/>
+        <p:nvPr/>
+      </p:nvGrpSpPr>
+      <p:grpSpPr>
+        <a:xfrm>
+          <a:off x="0" y="0"/>
+          <a:ext cx="0" cy="0"/>
+          <a:chOff x="0" y="0"/>
+          <a:chExt cx="0" cy="0"/>
+        </a:xfrm>
+      </p:grpSpPr>
+      <p:sp>
+        <p:nvSpPr>
+          <p:cNvPr id="5" name="內容版面配置區 4"/>
+          <p:cNvSpPr>
+            <a:spLocks noGrp="1"/>
+          </p:cNvSpPr>
+          <p:nvPr>
+            <p:ph idx="1"/>
+          </p:nvPr>
+        </p:nvSpPr>
+        <p:spPr>
+          <a:xfrm>
+            <a:off x="0" y="2084853"/>
+            <a:ext cx="12192000" cy="2404863"/>
+          </a:xfrm>
+        </p:spPr>
+        <p:txBody>
+          <a:bodyPr anchor="ctr">
+            <a:normAutofit/>
+          </a:bodyPr>
+          <a:lstStyle/>
+          <a:p>
+            <a:pPr algn="ctr">
+              <a:buNone/>
+            </a:pPr>
+            <a:r>
+              <a:rPr lang="zh-TW" altLang="en-US" sz="6400" b="1" dirty="0">
+                <a:solidFill>
+                  <a:srgbClr val="660033"/>
+                </a:solidFill>
+                <a:latin typeface="微軟正黑體" pitchFamily="34" charset="-120"/>
+                <a:ea typeface="微軟正黑體" pitchFamily="34" charset="-120"/>
+              </a:rPr>
+              <a:t>唯有耶穌掌管天地萬有</a:t>
+            </a:r>
+            <a:endParaRPr lang="en-US" altLang="zh-TW" sz="6400" b="1" dirty="0">
+              <a:solidFill>
+                <a:srgbClr val="660033"/>
+              </a:solidFill>
+              <a:latin typeface="微軟正黑體" pitchFamily="34" charset="-120"/>
+              <a:ea typeface="微軟正黑體" pitchFamily="34" charset="-120"/>
+            </a:endParaRPr>
+          </a:p>
+          <a:p>
+            <a:pPr algn="ctr">
+              <a:buNone/>
+            </a:pPr>
+            <a:r>
+              <a:rPr lang="zh-TW" altLang="en-US" sz="6400" b="1" dirty="0">
+                <a:solidFill>
+                  <a:srgbClr val="660033"/>
+                </a:solidFill>
+                <a:latin typeface="微軟正黑體" pitchFamily="34" charset="-120"/>
+                <a:ea typeface="微軟正黑體" pitchFamily="34" charset="-120"/>
+              </a:rPr>
+              <a:t>唯有耶穌能使水變成酒</a:t>
+            </a:r>
+            <a:endParaRPr lang="en-US" altLang="zh-TW" sz="6400" b="1" dirty="0">
+              <a:solidFill>
+                <a:srgbClr val="660033"/>
+              </a:solidFill>
+              <a:latin typeface="微軟正黑體" pitchFamily="34" charset="-120"/>
+              <a:ea typeface="微軟正黑體" pitchFamily="34" charset="-120"/>
+            </a:endParaRPr>
+          </a:p>
+        </p:txBody>
+      </p:sp>
+    </p:spTree>
+    <p:extLst>
+      <p:ext uri="{BB962C8B-B14F-4D97-AF65-F5344CB8AC3E}">
+        <p14:creationId xmlns="" xmlns:p14="http://schemas.microsoft.com/office/powerpoint/2010/main" val="2081422581"/>
+      </p:ext>
+    </p:extLst>
+  </p:cSld>
+  <p:clrMapOvr>
+    <a:masterClrMapping/>
+  </p:clrMapOvr>
+</p:sld>
+</file>
+
+<file path=ppt/slides/slide17.xml><?xml version="1.0" encoding="utf-8"?>
+<p:sld xmlns:a="http://schemas.openxmlformats.org/drawingml/2006/main" xmlns:r="http://schemas.openxmlformats.org/officeDocument/2006/relationships" xmlns:p="http://schemas.openxmlformats.org/presentationml/2006/main">
+  <p:cSld>
+    <p:spTree>
+      <p:nvGrpSpPr>
+        <p:cNvPr id="1" name=""/>
+        <p:cNvGrpSpPr/>
+        <p:nvPr/>
+      </p:nvGrpSpPr>
+      <p:grpSpPr>
+        <a:xfrm>
+          <a:off x="0" y="0"/>
+          <a:ext cx="0" cy="0"/>
+          <a:chOff x="0" y="0"/>
+          <a:chExt cx="0" cy="0"/>
+        </a:xfrm>
+      </p:grpSpPr>
+      <p:sp>
+        <p:nvSpPr>
+          <p:cNvPr id="5" name="內容版面配置區 4"/>
+          <p:cNvSpPr>
+            <a:spLocks noGrp="1"/>
+          </p:cNvSpPr>
+          <p:nvPr>
+            <p:ph idx="1"/>
+          </p:nvPr>
+        </p:nvSpPr>
+        <p:spPr>
+          <a:xfrm>
+            <a:off x="0" y="2084853"/>
+            <a:ext cx="12192000" cy="2404863"/>
+          </a:xfrm>
+        </p:spPr>
+        <p:txBody>
+          <a:bodyPr anchor="ctr">
+            <a:normAutofit/>
+          </a:bodyPr>
+          <a:lstStyle/>
+          <a:p>
+            <a:pPr algn="ctr">
+              <a:buNone/>
+            </a:pPr>
+            <a:r>
+              <a:rPr lang="zh-TW" altLang="en-US" sz="6400" b="1" dirty="0">
+                <a:solidFill>
+                  <a:srgbClr val="660033"/>
+                </a:solidFill>
+                <a:latin typeface="微軟正黑體" pitchFamily="34" charset="-120"/>
+                <a:ea typeface="微軟正黑體" pitchFamily="34" charset="-120"/>
+              </a:rPr>
+              <a:t>叫狂風巨浪平息</a:t>
+            </a:r>
+            <a:endParaRPr lang="en-US" altLang="zh-TW" sz="6400" b="1" dirty="0">
+              <a:solidFill>
+                <a:srgbClr val="660033"/>
+              </a:solidFill>
+              <a:latin typeface="微軟正黑體" pitchFamily="34" charset="-120"/>
+              <a:ea typeface="微軟正黑體" pitchFamily="34" charset="-120"/>
+            </a:endParaRPr>
+          </a:p>
+          <a:p>
+            <a:pPr algn="ctr">
+              <a:buNone/>
+            </a:pPr>
+            <a:r>
+              <a:rPr lang="zh-TW" altLang="en-US" sz="6400" b="1" dirty="0">
+                <a:solidFill>
+                  <a:srgbClr val="660033"/>
+                </a:solidFill>
+                <a:latin typeface="微軟正黑體" pitchFamily="34" charset="-120"/>
+                <a:ea typeface="微軟正黑體" pitchFamily="34" charset="-120"/>
+              </a:rPr>
+              <a:t>大能赦罪行神蹟</a:t>
+            </a:r>
+            <a:endParaRPr lang="en-US" altLang="zh-TW" sz="6400" b="1" dirty="0">
+              <a:solidFill>
+                <a:srgbClr val="660033"/>
+              </a:solidFill>
+              <a:latin typeface="微軟正黑體" pitchFamily="34" charset="-120"/>
+              <a:ea typeface="微軟正黑體" pitchFamily="34" charset="-120"/>
+            </a:endParaRPr>
+          </a:p>
+        </p:txBody>
+      </p:sp>
+    </p:spTree>
+    <p:extLst>
+      <p:ext uri="{BB962C8B-B14F-4D97-AF65-F5344CB8AC3E}">
+        <p14:creationId xmlns="" xmlns:p14="http://schemas.microsoft.com/office/powerpoint/2010/main" val="4152005013"/>
+      </p:ext>
+    </p:extLst>
+  </p:cSld>
+  <p:clrMapOvr>
+    <a:masterClrMapping/>
+  </p:clrMapOvr>
+</p:sld>
+</file>
+
+<file path=ppt/slides/slide18.xml><?xml version="1.0" encoding="utf-8"?>
+<p:sld xmlns:a="http://schemas.openxmlformats.org/drawingml/2006/main" xmlns:r="http://schemas.openxmlformats.org/officeDocument/2006/relationships" xmlns:p="http://schemas.openxmlformats.org/presentationml/2006/main">
+  <p:cSld>
+    <p:spTree>
+      <p:nvGrpSpPr>
+        <p:cNvPr id="1" name=""/>
+        <p:cNvGrpSpPr/>
+        <p:nvPr/>
+      </p:nvGrpSpPr>
+      <p:grpSpPr>
+        <a:xfrm>
+          <a:off x="0" y="0"/>
+          <a:ext cx="0" cy="0"/>
+          <a:chOff x="0" y="0"/>
+          <a:chExt cx="0" cy="0"/>
+        </a:xfrm>
+      </p:grpSpPr>
+      <p:sp>
+        <p:nvSpPr>
+          <p:cNvPr id="5" name="內容版面配置區 4"/>
+          <p:cNvSpPr>
+            <a:spLocks noGrp="1"/>
+          </p:cNvSpPr>
+          <p:nvPr>
+            <p:ph idx="1"/>
+          </p:nvPr>
+        </p:nvSpPr>
+        <p:spPr>
+          <a:xfrm>
+            <a:off x="0" y="2084853"/>
+            <a:ext cx="12192000" cy="2404863"/>
+          </a:xfrm>
+        </p:spPr>
+        <p:txBody>
+          <a:bodyPr anchor="ctr">
+            <a:normAutofit/>
+          </a:bodyPr>
+          <a:lstStyle/>
+          <a:p>
+            <a:pPr algn="ctr">
+              <a:buNone/>
+            </a:pPr>
+            <a:r>
+              <a:rPr lang="zh-TW" altLang="en-US" sz="6400" b="1" dirty="0">
+                <a:solidFill>
+                  <a:srgbClr val="660033"/>
+                </a:solidFill>
+                <a:latin typeface="微軟正黑體" pitchFamily="34" charset="-120"/>
+                <a:ea typeface="微軟正黑體" pitchFamily="34" charset="-120"/>
+              </a:rPr>
+              <a:t>耶穌無人</a:t>
+            </a:r>
+            <a:r>
+              <a:rPr lang="zh-TW" altLang="en-US" sz="6400" b="1" dirty="0" smtClean="0">
+                <a:solidFill>
+                  <a:srgbClr val="660033"/>
+                </a:solidFill>
+                <a:latin typeface="微軟正黑體" pitchFamily="34" charset="-120"/>
+                <a:ea typeface="微軟正黑體" pitchFamily="34" charset="-120"/>
+              </a:rPr>
+              <a:t>與</a:t>
+            </a:r>
+            <a:r>
+              <a:rPr lang="zh-CN" altLang="en-US" sz="6400" b="1" dirty="0" smtClean="0">
+                <a:solidFill>
+                  <a:srgbClr val="660033"/>
+                </a:solidFill>
+                <a:latin typeface="微軟正黑體" pitchFamily="34" charset="-120"/>
+                <a:ea typeface="微軟正黑體" pitchFamily="34" charset="-120"/>
+              </a:rPr>
+              <a:t>祢</a:t>
+            </a:r>
+            <a:r>
+              <a:rPr lang="zh-TW" altLang="en-US" sz="6400" b="1" dirty="0" smtClean="0">
+                <a:solidFill>
+                  <a:srgbClr val="660033"/>
+                </a:solidFill>
+                <a:latin typeface="微軟正黑體" pitchFamily="34" charset="-120"/>
+                <a:ea typeface="微軟正黑體" pitchFamily="34" charset="-120"/>
+              </a:rPr>
+              <a:t>相比</a:t>
+            </a:r>
+            <a:endParaRPr lang="zh-TW" altLang="en-US" sz="6400" b="1" dirty="0">
+              <a:solidFill>
+                <a:srgbClr val="660033"/>
+              </a:solidFill>
+              <a:latin typeface="微軟正黑體" pitchFamily="34" charset="-120"/>
+              <a:ea typeface="微軟正黑體" pitchFamily="34" charset="-120"/>
+            </a:endParaRPr>
+          </a:p>
+        </p:txBody>
+      </p:sp>
+    </p:spTree>
+    <p:extLst>
+      <p:ext uri="{BB962C8B-B14F-4D97-AF65-F5344CB8AC3E}">
+        <p14:creationId xmlns="" xmlns:p14="http://schemas.microsoft.com/office/powerpoint/2010/main" val="714244842"/>
       </p:ext>
     </p:extLst>
   </p:cSld>
@@ -3305,7 +4214,7 @@
     </p:spTree>
     <p:extLst>
       <p:ext uri="{BB962C8B-B14F-4D97-AF65-F5344CB8AC3E}">
-        <p14:creationId xmlns:p14="http://schemas.microsoft.com/office/powerpoint/2010/main" xmlns="" val="1873981163"/>
+        <p14:creationId xmlns="" xmlns:p14="http://schemas.microsoft.com/office/powerpoint/2010/main" val="1873981163"/>
       </p:ext>
     </p:extLst>
   </p:cSld>
@@ -3425,7 +4334,7 @@
     </p:spTree>
     <p:extLst>
       <p:ext uri="{BB962C8B-B14F-4D97-AF65-F5344CB8AC3E}">
-        <p14:creationId xmlns:p14="http://schemas.microsoft.com/office/powerpoint/2010/main" xmlns="" val="1283900834"/>
+        <p14:creationId xmlns="" xmlns:p14="http://schemas.microsoft.com/office/powerpoint/2010/main" val="1283900834"/>
       </p:ext>
     </p:extLst>
   </p:cSld>
@@ -3522,7 +4431,7 @@
     </p:spTree>
     <p:extLst>
       <p:ext uri="{BB962C8B-B14F-4D97-AF65-F5344CB8AC3E}">
-        <p14:creationId xmlns:p14="http://schemas.microsoft.com/office/powerpoint/2010/main" xmlns="" val="2081422581"/>
+        <p14:creationId xmlns="" xmlns:p14="http://schemas.microsoft.com/office/powerpoint/2010/main" val="2081422581"/>
       </p:ext>
     </p:extLst>
   </p:cSld>
@@ -3619,7 +4528,7 @@
     </p:spTree>
     <p:extLst>
       <p:ext uri="{BB962C8B-B14F-4D97-AF65-F5344CB8AC3E}">
-        <p14:creationId xmlns:p14="http://schemas.microsoft.com/office/powerpoint/2010/main" xmlns="" val="4152005013"/>
+        <p14:creationId xmlns="" xmlns:p14="http://schemas.microsoft.com/office/powerpoint/2010/main" val="4152005013"/>
       </p:ext>
     </p:extLst>
   </p:cSld>
@@ -3724,7 +4633,370 @@
     </p:spTree>
     <p:extLst>
       <p:ext uri="{BB962C8B-B14F-4D97-AF65-F5344CB8AC3E}">
-        <p14:creationId xmlns:p14="http://schemas.microsoft.com/office/powerpoint/2010/main" xmlns="" val="714244842"/>
+        <p14:creationId xmlns="" xmlns:p14="http://schemas.microsoft.com/office/powerpoint/2010/main" val="714244842"/>
+      </p:ext>
+    </p:extLst>
+  </p:cSld>
+  <p:clrMapOvr>
+    <a:masterClrMapping/>
+  </p:clrMapOvr>
+</p:sld>
+</file>
+
+<file path=ppt/slides/slide7.xml><?xml version="1.0" encoding="utf-8"?>
+<p:sld xmlns:a="http://schemas.openxmlformats.org/drawingml/2006/main" xmlns:r="http://schemas.openxmlformats.org/officeDocument/2006/relationships" xmlns:p="http://schemas.openxmlformats.org/presentationml/2006/main">
+  <p:cSld>
+    <p:spTree>
+      <p:nvGrpSpPr>
+        <p:cNvPr id="1" name=""/>
+        <p:cNvGrpSpPr/>
+        <p:nvPr/>
+      </p:nvGrpSpPr>
+      <p:grpSpPr>
+        <a:xfrm>
+          <a:off x="0" y="0"/>
+          <a:ext cx="0" cy="0"/>
+          <a:chOff x="0" y="0"/>
+          <a:chExt cx="0" cy="0"/>
+        </a:xfrm>
+      </p:grpSpPr>
+      <p:sp>
+        <p:nvSpPr>
+          <p:cNvPr id="4" name="標題 3"/>
+          <p:cNvSpPr>
+            <a:spLocks noGrp="1"/>
+          </p:cNvSpPr>
+          <p:nvPr>
+            <p:ph type="title"/>
+          </p:nvPr>
+        </p:nvSpPr>
+        <p:spPr>
+          <a:xfrm>
+            <a:off x="0" y="2857513"/>
+            <a:ext cx="12192000" cy="1143000"/>
+          </a:xfrm>
+        </p:spPr>
+        <p:txBody>
+          <a:bodyPr>
+            <a:noAutofit/>
+          </a:bodyPr>
+          <a:lstStyle/>
+          <a:p>
+            <a:r>
+              <a:rPr lang="zh-CN" altLang="en-US" sz="7200" b="1" i="1" dirty="0">
+                <a:solidFill>
+                  <a:srgbClr val="660033"/>
+                </a:solidFill>
+                <a:effectLst>
+                  <a:outerShdw blurRad="38100" dist="38100" dir="2700000" algn="tl">
+                    <a:srgbClr val="000000">
+                      <a:alpha val="43137"/>
+                    </a:srgbClr>
+                  </a:outerShdw>
+                </a:effectLst>
+                <a:latin typeface="微軟正黑體" pitchFamily="34" charset="-120"/>
+                <a:ea typeface="微軟正黑體" pitchFamily="34" charset="-120"/>
+              </a:rPr>
+              <a:t>唯有耶穌</a:t>
+            </a:r>
+            <a:endParaRPr lang="zh-TW" altLang="en-US" sz="7200" b="1" i="1" dirty="0">
+              <a:solidFill>
+                <a:srgbClr val="660033"/>
+              </a:solidFill>
+              <a:effectLst>
+                <a:outerShdw blurRad="38100" dist="38100" dir="2700000" algn="tl">
+                  <a:srgbClr val="000000">
+                    <a:alpha val="43137"/>
+                  </a:srgbClr>
+                </a:outerShdw>
+              </a:effectLst>
+              <a:latin typeface="微軟正黑體" pitchFamily="34" charset="-120"/>
+              <a:ea typeface="微軟正黑體" pitchFamily="34" charset="-120"/>
+            </a:endParaRPr>
+          </a:p>
+        </p:txBody>
+      </p:sp>
+    </p:spTree>
+    <p:extLst>
+      <p:ext uri="{BB962C8B-B14F-4D97-AF65-F5344CB8AC3E}">
+        <p14:creationId xmlns="" xmlns:p14="http://schemas.microsoft.com/office/powerpoint/2010/main" val="2765166867"/>
+      </p:ext>
+    </p:extLst>
+  </p:cSld>
+  <p:clrMapOvr>
+    <a:masterClrMapping/>
+  </p:clrMapOvr>
+</p:sld>
+</file>
+
+<file path=ppt/slides/slide8.xml><?xml version="1.0" encoding="utf-8"?>
+<p:sld xmlns:a="http://schemas.openxmlformats.org/drawingml/2006/main" xmlns:r="http://schemas.openxmlformats.org/officeDocument/2006/relationships" xmlns:p="http://schemas.openxmlformats.org/presentationml/2006/main">
+  <p:cSld>
+    <p:spTree>
+      <p:nvGrpSpPr>
+        <p:cNvPr id="1" name=""/>
+        <p:cNvGrpSpPr/>
+        <p:nvPr/>
+      </p:nvGrpSpPr>
+      <p:grpSpPr>
+        <a:xfrm>
+          <a:off x="0" y="0"/>
+          <a:ext cx="0" cy="0"/>
+          <a:chOff x="0" y="0"/>
+          <a:chExt cx="0" cy="0"/>
+        </a:xfrm>
+      </p:grpSpPr>
+      <p:sp>
+        <p:nvSpPr>
+          <p:cNvPr id="5" name="內容版面配置區 4"/>
+          <p:cNvSpPr>
+            <a:spLocks noGrp="1"/>
+          </p:cNvSpPr>
+          <p:nvPr>
+            <p:ph idx="1"/>
+          </p:nvPr>
+        </p:nvSpPr>
+        <p:spPr>
+          <a:xfrm>
+            <a:off x="0" y="2084853"/>
+            <a:ext cx="12192000" cy="2404863"/>
+          </a:xfrm>
+        </p:spPr>
+        <p:txBody>
+          <a:bodyPr anchor="ctr">
+            <a:normAutofit/>
+          </a:bodyPr>
+          <a:lstStyle/>
+          <a:p>
+            <a:pPr algn="ctr">
+              <a:buNone/>
+            </a:pPr>
+            <a:r>
+              <a:rPr lang="zh-TW" altLang="en-US" sz="6400" b="1" dirty="0" smtClean="0">
+                <a:solidFill>
+                  <a:srgbClr val="660033"/>
+                </a:solidFill>
+                <a:latin typeface="微軟正黑體" pitchFamily="34" charset="-120"/>
+                <a:ea typeface="微軟正黑體" pitchFamily="34" charset="-120"/>
+              </a:rPr>
+              <a:t>耶穌</a:t>
+            </a:r>
+            <a:r>
+              <a:rPr lang="zh-CN" altLang="en-US" sz="6400" b="1" dirty="0" smtClean="0">
+                <a:solidFill>
+                  <a:srgbClr val="660033"/>
+                </a:solidFill>
+                <a:latin typeface="微軟正黑體" pitchFamily="34" charset="-120"/>
+                <a:ea typeface="微軟正黑體" pitchFamily="34" charset="-120"/>
+              </a:rPr>
+              <a:t>祢</a:t>
+            </a:r>
+            <a:r>
+              <a:rPr lang="zh-TW" altLang="en-US" sz="6400" b="1" dirty="0" smtClean="0">
+                <a:solidFill>
+                  <a:srgbClr val="660033"/>
+                </a:solidFill>
+                <a:latin typeface="微軟正黑體" pitchFamily="34" charset="-120"/>
+                <a:ea typeface="微軟正黑體" pitchFamily="34" charset="-120"/>
+              </a:rPr>
+              <a:t>能</a:t>
+            </a:r>
+            <a:r>
+              <a:rPr lang="zh-TW" altLang="en-US" sz="6400" b="1" dirty="0">
+                <a:solidFill>
+                  <a:srgbClr val="660033"/>
+                </a:solidFill>
+                <a:latin typeface="微軟正黑體" pitchFamily="34" charset="-120"/>
+                <a:ea typeface="微軟正黑體" pitchFamily="34" charset="-120"/>
+              </a:rPr>
+              <a:t>使瞎眼看見</a:t>
+            </a:r>
+            <a:endParaRPr lang="en-US" altLang="zh-TW" sz="6400" b="1" dirty="0">
+              <a:solidFill>
+                <a:srgbClr val="660033"/>
+              </a:solidFill>
+              <a:latin typeface="微軟正黑體" pitchFamily="34" charset="-120"/>
+              <a:ea typeface="微軟正黑體" pitchFamily="34" charset="-120"/>
+            </a:endParaRPr>
+          </a:p>
+          <a:p>
+            <a:pPr algn="ctr">
+              <a:buNone/>
+            </a:pPr>
+            <a:r>
+              <a:rPr lang="zh-TW" altLang="en-US" sz="6400" b="1" dirty="0" smtClean="0">
+                <a:solidFill>
+                  <a:srgbClr val="660033"/>
+                </a:solidFill>
+                <a:latin typeface="微軟正黑體" pitchFamily="34" charset="-120"/>
+                <a:ea typeface="微軟正黑體" pitchFamily="34" charset="-120"/>
+              </a:rPr>
+              <a:t>耶穌</a:t>
+            </a:r>
+            <a:r>
+              <a:rPr lang="zh-CN" altLang="en-US" sz="6400" b="1" dirty="0" smtClean="0">
+                <a:solidFill>
+                  <a:srgbClr val="660033"/>
+                </a:solidFill>
+                <a:latin typeface="微軟正黑體" pitchFamily="34" charset="-120"/>
+                <a:ea typeface="微軟正黑體" pitchFamily="34" charset="-120"/>
+              </a:rPr>
+              <a:t>祢</a:t>
+            </a:r>
+            <a:r>
+              <a:rPr lang="zh-TW" altLang="en-US" sz="6400" b="1" dirty="0" smtClean="0">
+                <a:solidFill>
+                  <a:srgbClr val="660033"/>
+                </a:solidFill>
+                <a:latin typeface="微軟正黑體" pitchFamily="34" charset="-120"/>
+                <a:ea typeface="微軟正黑體" pitchFamily="34" charset="-120"/>
+              </a:rPr>
+              <a:t>能</a:t>
+            </a:r>
+            <a:r>
+              <a:rPr lang="zh-TW" altLang="en-US" sz="6400" b="1" dirty="0">
+                <a:solidFill>
+                  <a:srgbClr val="660033"/>
+                </a:solidFill>
+                <a:latin typeface="微軟正黑體" pitchFamily="34" charset="-120"/>
+                <a:ea typeface="微軟正黑體" pitchFamily="34" charset="-120"/>
+              </a:rPr>
+              <a:t>醫治傷心人</a:t>
+            </a:r>
+            <a:endParaRPr lang="en-US" altLang="zh-TW" sz="6400" b="1" dirty="0">
+              <a:solidFill>
+                <a:srgbClr val="660033"/>
+              </a:solidFill>
+              <a:latin typeface="微軟正黑體" pitchFamily="34" charset="-120"/>
+              <a:ea typeface="微軟正黑體" pitchFamily="34" charset="-120"/>
+            </a:endParaRPr>
+          </a:p>
+        </p:txBody>
+      </p:sp>
+    </p:spTree>
+    <p:extLst>
+      <p:ext uri="{BB962C8B-B14F-4D97-AF65-F5344CB8AC3E}">
+        <p14:creationId xmlns="" xmlns:p14="http://schemas.microsoft.com/office/powerpoint/2010/main" val="1873981163"/>
+      </p:ext>
+    </p:extLst>
+  </p:cSld>
+  <p:clrMapOvr>
+    <a:masterClrMapping/>
+  </p:clrMapOvr>
+</p:sld>
+</file>
+
+<file path=ppt/slides/slide9.xml><?xml version="1.0" encoding="utf-8"?>
+<p:sld xmlns:a="http://schemas.openxmlformats.org/drawingml/2006/main" xmlns:r="http://schemas.openxmlformats.org/officeDocument/2006/relationships" xmlns:p="http://schemas.openxmlformats.org/presentationml/2006/main">
+  <p:cSld>
+    <p:spTree>
+      <p:nvGrpSpPr>
+        <p:cNvPr id="1" name=""/>
+        <p:cNvGrpSpPr/>
+        <p:nvPr/>
+      </p:nvGrpSpPr>
+      <p:grpSpPr>
+        <a:xfrm>
+          <a:off x="0" y="0"/>
+          <a:ext cx="0" cy="0"/>
+          <a:chOff x="0" y="0"/>
+          <a:chExt cx="0" cy="0"/>
+        </a:xfrm>
+      </p:grpSpPr>
+      <p:sp>
+        <p:nvSpPr>
+          <p:cNvPr id="5" name="內容版面配置區 4"/>
+          <p:cNvSpPr>
+            <a:spLocks noGrp="1"/>
+          </p:cNvSpPr>
+          <p:nvPr>
+            <p:ph idx="1"/>
+          </p:nvPr>
+        </p:nvSpPr>
+        <p:spPr>
+          <a:xfrm>
+            <a:off x="0" y="2084853"/>
+            <a:ext cx="12192000" cy="2404863"/>
+          </a:xfrm>
+        </p:spPr>
+        <p:txBody>
+          <a:bodyPr anchor="ctr">
+            <a:normAutofit/>
+          </a:bodyPr>
+          <a:lstStyle/>
+          <a:p>
+            <a:pPr algn="ctr">
+              <a:buNone/>
+            </a:pPr>
+            <a:r>
+              <a:rPr lang="zh-TW" altLang="en-US" sz="6400" b="1" dirty="0" smtClean="0">
+                <a:solidFill>
+                  <a:srgbClr val="660033"/>
+                </a:solidFill>
+                <a:latin typeface="微軟正黑體" pitchFamily="34" charset="-120"/>
+                <a:ea typeface="微軟正黑體" pitchFamily="34" charset="-120"/>
+              </a:rPr>
+              <a:t>耶穌</a:t>
+            </a:r>
+            <a:r>
+              <a:rPr lang="zh-CN" altLang="en-US" sz="6400" b="1" dirty="0" smtClean="0">
+                <a:solidFill>
+                  <a:srgbClr val="660033"/>
+                </a:solidFill>
+                <a:latin typeface="微軟正黑體" pitchFamily="34" charset="-120"/>
+                <a:ea typeface="微軟正黑體" pitchFamily="34" charset="-120"/>
+              </a:rPr>
+              <a:t>祢</a:t>
+            </a:r>
+            <a:r>
+              <a:rPr lang="zh-TW" altLang="en-US" sz="6400" b="1" dirty="0" smtClean="0">
+                <a:solidFill>
+                  <a:srgbClr val="660033"/>
+                </a:solidFill>
+                <a:latin typeface="微軟正黑體" pitchFamily="34" charset="-120"/>
+                <a:ea typeface="微軟正黑體" pitchFamily="34" charset="-120"/>
+              </a:rPr>
+              <a:t>有</a:t>
+            </a:r>
+            <a:r>
+              <a:rPr lang="zh-TW" altLang="en-US" sz="6400" b="1" dirty="0">
+                <a:solidFill>
+                  <a:srgbClr val="660033"/>
+                </a:solidFill>
+                <a:latin typeface="微軟正黑體" pitchFamily="34" charset="-120"/>
+                <a:ea typeface="微軟正黑體" pitchFamily="34" charset="-120"/>
+              </a:rPr>
+              <a:t>權柄釋放</a:t>
+            </a:r>
+            <a:endParaRPr lang="en-US" altLang="zh-TW" sz="6400" b="1" dirty="0">
+              <a:solidFill>
+                <a:srgbClr val="660033"/>
+              </a:solidFill>
+              <a:latin typeface="微軟正黑體" pitchFamily="34" charset="-120"/>
+              <a:ea typeface="微軟正黑體" pitchFamily="34" charset="-120"/>
+            </a:endParaRPr>
+          </a:p>
+          <a:p>
+            <a:pPr algn="ctr">
+              <a:buNone/>
+            </a:pPr>
+            <a:r>
+              <a:rPr lang="zh-TW" altLang="en-US" sz="6400" b="1" dirty="0">
+                <a:solidFill>
+                  <a:srgbClr val="660033"/>
+                </a:solidFill>
+                <a:latin typeface="微軟正黑體" pitchFamily="34" charset="-120"/>
+                <a:ea typeface="微軟正黑體" pitchFamily="34" charset="-120"/>
+              </a:rPr>
+              <a:t>叫不可能變為可能</a:t>
+            </a:r>
+          </a:p>
+        </p:txBody>
+      </p:sp>
+    </p:spTree>
+    <p:extLst>
+      <p:ext uri="{BB962C8B-B14F-4D97-AF65-F5344CB8AC3E}">
+        <p14:creationId xmlns="" xmlns:p14="http://schemas.microsoft.com/office/powerpoint/2010/main" val="1283900834"/>
       </p:ext>
     </p:extLst>
   </p:cSld>
